--- a/4_manuscript/Figures.pptx
+++ b/4_manuscript/Figures.pptx
@@ -9,6 +9,7 @@
     <p:sldId id="257" r:id="rId3"/>
     <p:sldId id="259" r:id="rId4"/>
     <p:sldId id="258" r:id="rId5"/>
+    <p:sldId id="260" r:id="rId6"/>
   </p:sldIdLst>
   <p:sldSz cx="12192000" cy="9144000"/>
   <p:notesSz cx="6858000" cy="9144000"/>
@@ -3714,7 +3715,7 @@
         </p:nvSpPr>
         <p:spPr>
           <a:xfrm>
-            <a:off x="304800" y="525038"/>
+            <a:off x="731010" y="90222"/>
             <a:ext cx="2376869" cy="369332"/>
           </a:xfrm>
           <a:prstGeom prst="rect">
@@ -3786,10 +3787,512 @@
           </a:p>
         </p:txBody>
       </p:sp>
+      <p:sp>
+        <p:nvSpPr>
+          <p:cNvPr id="6" name="Textfeld 5">
+            <a:extLst>
+              <a:ext uri="{FF2B5EF4-FFF2-40B4-BE49-F238E27FC236}">
+                <a16:creationId xmlns:a16="http://schemas.microsoft.com/office/drawing/2014/main" id="{97DF9B09-D8F2-4E36-9F34-0E5BBDEE84D6}"/>
+              </a:ext>
+            </a:extLst>
+          </p:cNvPr>
+          <p:cNvSpPr txBox="1"/>
+          <p:nvPr/>
+        </p:nvSpPr>
+        <p:spPr>
+          <a:xfrm>
+            <a:off x="875978" y="7983291"/>
+            <a:ext cx="9740936" cy="646331"/>
+          </a:xfrm>
+          <a:prstGeom prst="rect">
+            <a:avLst/>
+          </a:prstGeom>
+          <a:noFill/>
+        </p:spPr>
+        <p:txBody>
+          <a:bodyPr wrap="none" rtlCol="0">
+            <a:spAutoFit/>
+          </a:bodyPr>
+          <a:lstStyle/>
+          <a:p>
+            <a:r>
+              <a:rPr lang="de-DE" dirty="0"/>
+              <a:t>-&gt; </a:t>
+            </a:r>
+            <a:r>
+              <a:rPr lang="de-DE" dirty="0" err="1"/>
+              <a:t>Plotted</a:t>
+            </a:r>
+            <a:r>
+              <a:rPr lang="de-DE" dirty="0"/>
+              <a:t> </a:t>
+            </a:r>
+            <a:r>
+              <a:rPr lang="de-DE" dirty="0" err="1"/>
+              <a:t>are</a:t>
+            </a:r>
+            <a:r>
+              <a:rPr lang="de-DE" dirty="0"/>
+              <a:t> </a:t>
+            </a:r>
+            <a:r>
+              <a:rPr lang="de-DE" dirty="0" err="1"/>
+              <a:t>the</a:t>
+            </a:r>
+            <a:r>
+              <a:rPr lang="de-DE" dirty="0"/>
+              <a:t> </a:t>
+            </a:r>
+            <a:r>
+              <a:rPr lang="de-DE" dirty="0" err="1"/>
+              <a:t>points</a:t>
+            </a:r>
+            <a:r>
+              <a:rPr lang="de-DE" dirty="0"/>
+              <a:t> </a:t>
+            </a:r>
+            <a:r>
+              <a:rPr lang="de-DE" dirty="0" err="1"/>
+              <a:t>of</a:t>
+            </a:r>
+            <a:r>
+              <a:rPr lang="de-DE" dirty="0"/>
+              <a:t> </a:t>
+            </a:r>
+            <a:r>
+              <a:rPr lang="de-DE" dirty="0" err="1"/>
+              <a:t>the</a:t>
+            </a:r>
+            <a:r>
+              <a:rPr lang="de-DE" dirty="0"/>
+              <a:t> </a:t>
+            </a:r>
+            <a:r>
+              <a:rPr lang="de-DE" dirty="0" err="1"/>
+              <a:t>hypoxic</a:t>
+            </a:r>
+            <a:r>
+              <a:rPr lang="de-DE" dirty="0"/>
+              <a:t> </a:t>
+            </a:r>
+            <a:r>
+              <a:rPr lang="de-DE" dirty="0" err="1"/>
+              <a:t>response</a:t>
+            </a:r>
+            <a:r>
+              <a:rPr lang="de-DE" dirty="0"/>
+              <a:t> in </a:t>
+            </a:r>
+            <a:r>
+              <a:rPr lang="de-DE" dirty="0" err="1"/>
+              <a:t>each</a:t>
+            </a:r>
+            <a:r>
+              <a:rPr lang="de-DE" dirty="0"/>
+              <a:t> </a:t>
+            </a:r>
+            <a:r>
+              <a:rPr lang="de-DE" dirty="0" err="1"/>
+              <a:t>cellline</a:t>
+            </a:r>
+            <a:r>
+              <a:rPr lang="de-DE" dirty="0"/>
+              <a:t> (Hif1a: </a:t>
+            </a:r>
+            <a:r>
+              <a:rPr lang="de-DE" dirty="0" err="1"/>
+              <a:t>Hx</a:t>
+            </a:r>
+            <a:r>
+              <a:rPr lang="de-DE" dirty="0"/>
+              <a:t> vs. </a:t>
+            </a:r>
+            <a:r>
+              <a:rPr lang="de-DE" dirty="0" err="1"/>
+              <a:t>Nx</a:t>
+            </a:r>
+            <a:r>
+              <a:rPr lang="de-DE" dirty="0"/>
+              <a:t>)</a:t>
+            </a:r>
+          </a:p>
+          <a:p>
+            <a:r>
+              <a:rPr lang="de-DE" dirty="0"/>
+              <a:t>-&gt; </a:t>
+            </a:r>
+            <a:r>
+              <a:rPr lang="de-DE" dirty="0" err="1"/>
+              <a:t>Colored</a:t>
+            </a:r>
+            <a:r>
+              <a:rPr lang="de-DE" dirty="0"/>
+              <a:t> </a:t>
+            </a:r>
+            <a:r>
+              <a:rPr lang="de-DE" dirty="0" err="1"/>
+              <a:t>are</a:t>
+            </a:r>
+            <a:r>
+              <a:rPr lang="de-DE" dirty="0"/>
+              <a:t> </a:t>
+            </a:r>
+            <a:r>
+              <a:rPr lang="de-DE" dirty="0" err="1"/>
+              <a:t>the</a:t>
+            </a:r>
+            <a:r>
+              <a:rPr lang="de-DE" dirty="0"/>
+              <a:t> genes </a:t>
+            </a:r>
+            <a:r>
+              <a:rPr lang="de-DE" dirty="0" err="1"/>
+              <a:t>with</a:t>
+            </a:r>
+            <a:r>
+              <a:rPr lang="de-DE" dirty="0"/>
+              <a:t> different </a:t>
+            </a:r>
+            <a:r>
+              <a:rPr lang="de-DE" dirty="0" err="1"/>
+              <a:t>hypoxic</a:t>
+            </a:r>
+            <a:r>
+              <a:rPr lang="de-DE" dirty="0"/>
+              <a:t> </a:t>
+            </a:r>
+            <a:r>
+              <a:rPr lang="de-DE" dirty="0" err="1"/>
+              <a:t>effect</a:t>
+            </a:r>
+            <a:r>
+              <a:rPr lang="de-DE" dirty="0"/>
+              <a:t> </a:t>
+            </a:r>
+            <a:r>
+              <a:rPr lang="de-DE" dirty="0" err="1"/>
+              <a:t>compared</a:t>
+            </a:r>
+            <a:r>
+              <a:rPr lang="de-DE" dirty="0"/>
+              <a:t> </a:t>
+            </a:r>
+            <a:r>
+              <a:rPr lang="de-DE" dirty="0" err="1"/>
+              <a:t>to</a:t>
+            </a:r>
+            <a:r>
+              <a:rPr lang="de-DE" dirty="0"/>
+              <a:t> Kelly (Hif1a </a:t>
+            </a:r>
+            <a:r>
+              <a:rPr lang="de-DE" dirty="0" err="1"/>
+              <a:t>Hx-Nx</a:t>
+            </a:r>
+            <a:r>
+              <a:rPr lang="de-DE" dirty="0"/>
+              <a:t> vs. Kelly </a:t>
+            </a:r>
+            <a:r>
+              <a:rPr lang="de-DE" dirty="0" err="1"/>
+              <a:t>Hx-Nx</a:t>
+            </a:r>
+            <a:r>
+              <a:rPr lang="de-DE" dirty="0"/>
+              <a:t>)</a:t>
+            </a:r>
+          </a:p>
+        </p:txBody>
+      </p:sp>
+      <p:sp>
+        <p:nvSpPr>
+          <p:cNvPr id="7" name="Textfeld 6">
+            <a:extLst>
+              <a:ext uri="{FF2B5EF4-FFF2-40B4-BE49-F238E27FC236}">
+                <a16:creationId xmlns:a16="http://schemas.microsoft.com/office/drawing/2014/main" id="{FCD6FB88-29CD-43F9-BAC2-21B0CD3BC882}"/>
+              </a:ext>
+            </a:extLst>
+          </p:cNvPr>
+          <p:cNvSpPr txBox="1"/>
+          <p:nvPr/>
+        </p:nvSpPr>
+        <p:spPr>
+          <a:xfrm>
+            <a:off x="3650652" y="6822646"/>
+            <a:ext cx="2733441" cy="923330"/>
+          </a:xfrm>
+          <a:prstGeom prst="rect">
+            <a:avLst/>
+          </a:prstGeom>
+          <a:noFill/>
+        </p:spPr>
+        <p:txBody>
+          <a:bodyPr wrap="none" rtlCol="0">
+            <a:spAutoFit/>
+          </a:bodyPr>
+          <a:lstStyle/>
+          <a:p>
+            <a:r>
+              <a:rPr lang="de-DE" dirty="0" err="1"/>
+              <a:t>Cutoff</a:t>
+            </a:r>
+            <a:r>
+              <a:rPr lang="de-DE" dirty="0"/>
+              <a:t>: 	</a:t>
+            </a:r>
+            <a:r>
+              <a:rPr lang="de-DE" dirty="0" err="1"/>
+              <a:t>padj</a:t>
+            </a:r>
+            <a:r>
+              <a:rPr lang="de-DE" dirty="0"/>
+              <a:t>           &lt; 0.05,</a:t>
+            </a:r>
+          </a:p>
+          <a:p>
+            <a:r>
+              <a:rPr lang="de-DE" dirty="0"/>
+              <a:t>		log2-FC      &gt; 1,</a:t>
+            </a:r>
+          </a:p>
+          <a:p>
+            <a:r>
+              <a:rPr lang="de-DE" dirty="0">
+                <a:solidFill>
+                  <a:srgbClr val="FF0000"/>
+                </a:solidFill>
+              </a:rPr>
+              <a:t>		</a:t>
+            </a:r>
+            <a:r>
+              <a:rPr lang="de-DE" dirty="0" err="1">
+                <a:solidFill>
+                  <a:srgbClr val="FF0000"/>
+                </a:solidFill>
+              </a:rPr>
+              <a:t>baseMean</a:t>
+            </a:r>
+            <a:r>
+              <a:rPr lang="de-DE" dirty="0">
+                <a:solidFill>
+                  <a:srgbClr val="FF0000"/>
+                </a:solidFill>
+              </a:rPr>
+              <a:t> &gt; 0</a:t>
+            </a:r>
+          </a:p>
+        </p:txBody>
+      </p:sp>
+      <p:pic>
+        <p:nvPicPr>
+          <p:cNvPr id="3080" name="Picture 8" descr="2_volcanos_plot-1.png">
+            <a:extLst>
+              <a:ext uri="{FF2B5EF4-FFF2-40B4-BE49-F238E27FC236}">
+                <a16:creationId xmlns:a16="http://schemas.microsoft.com/office/drawing/2014/main" id="{90A7DB56-B0C8-4276-9E6C-0895D6F97B25}"/>
+              </a:ext>
+            </a:extLst>
+          </p:cNvPr>
+          <p:cNvPicPr>
+            <a:picLocks noChangeAspect="1" noChangeArrowheads="1"/>
+          </p:cNvPicPr>
+          <p:nvPr/>
+        </p:nvPicPr>
+        <p:blipFill>
+          <a:blip r:embed="rId2">
+            <a:extLst>
+              <a:ext uri="{28A0092B-C50C-407E-A947-70E740481C1C}">
+                <a14:useLocalDpi xmlns:a14="http://schemas.microsoft.com/office/drawing/2010/main" val="0"/>
+              </a:ext>
+            </a:extLst>
+          </a:blip>
+          <a:srcRect/>
+          <a:stretch>
+            <a:fillRect/>
+          </a:stretch>
+        </p:blipFill>
+        <p:spPr bwMode="auto">
+          <a:xfrm>
+            <a:off x="175107" y="1039911"/>
+            <a:ext cx="7200000" cy="5400000"/>
+          </a:xfrm>
+          <a:prstGeom prst="rect">
+            <a:avLst/>
+          </a:prstGeom>
+          <a:noFill/>
+          <a:extLst>
+            <a:ext uri="{909E8E84-426E-40DD-AFC4-6F175D3DCCD1}">
+              <a14:hiddenFill xmlns:a14="http://schemas.microsoft.com/office/drawing/2010/main">
+                <a:solidFill>
+                  <a:srgbClr val="FFFFFF"/>
+                </a:solidFill>
+              </a14:hiddenFill>
+            </a:ext>
+          </a:extLst>
+        </p:spPr>
+      </p:pic>
+      <p:pic>
+        <p:nvPicPr>
+          <p:cNvPr id="3082" name="Picture 10" descr="2_venn-1.png">
+            <a:extLst>
+              <a:ext uri="{FF2B5EF4-FFF2-40B4-BE49-F238E27FC236}">
+                <a16:creationId xmlns:a16="http://schemas.microsoft.com/office/drawing/2014/main" id="{79F977DC-2C9D-4813-BFE2-3D56F4D91A44}"/>
+              </a:ext>
+            </a:extLst>
+          </p:cNvPr>
+          <p:cNvPicPr>
+            <a:picLocks noChangeAspect="1" noChangeArrowheads="1"/>
+          </p:cNvPicPr>
+          <p:nvPr/>
+        </p:nvPicPr>
+        <p:blipFill>
+          <a:blip r:embed="rId3">
+            <a:extLst>
+              <a:ext uri="{28A0092B-C50C-407E-A947-70E740481C1C}">
+                <a14:useLocalDpi xmlns:a14="http://schemas.microsoft.com/office/drawing/2010/main" val="0"/>
+              </a:ext>
+            </a:extLst>
+          </a:blip>
+          <a:srcRect/>
+          <a:stretch>
+            <a:fillRect/>
+          </a:stretch>
+        </p:blipFill>
+        <p:spPr bwMode="auto">
+          <a:xfrm>
+            <a:off x="7564244" y="1039911"/>
+            <a:ext cx="4320000" cy="5400000"/>
+          </a:xfrm>
+          <a:prstGeom prst="rect">
+            <a:avLst/>
+          </a:prstGeom>
+          <a:noFill/>
+          <a:extLst>
+            <a:ext uri="{909E8E84-426E-40DD-AFC4-6F175D3DCCD1}">
+              <a14:hiddenFill xmlns:a14="http://schemas.microsoft.com/office/drawing/2010/main">
+                <a:solidFill>
+                  <a:srgbClr val="FFFFFF"/>
+                </a:solidFill>
+              </a14:hiddenFill>
+            </a:ext>
+          </a:extLst>
+        </p:spPr>
+      </p:pic>
     </p:spTree>
     <p:extLst>
       <p:ext uri="{BB962C8B-B14F-4D97-AF65-F5344CB8AC3E}">
         <p14:creationId xmlns:p14="http://schemas.microsoft.com/office/powerpoint/2010/main" val="4057023710"/>
+      </p:ext>
+    </p:extLst>
+  </p:cSld>
+  <p:clrMapOvr>
+    <a:masterClrMapping/>
+  </p:clrMapOvr>
+</p:sld>
+</file>
+
+<file path=ppt/slides/slide5.xml><?xml version="1.0" encoding="utf-8"?>
+<p:sld xmlns:a="http://schemas.openxmlformats.org/drawingml/2006/main" xmlns:r="http://schemas.openxmlformats.org/officeDocument/2006/relationships" xmlns:p="http://schemas.openxmlformats.org/presentationml/2006/main">
+  <p:cSld>
+    <p:spTree>
+      <p:nvGrpSpPr>
+        <p:cNvPr id="1" name=""/>
+        <p:cNvGrpSpPr/>
+        <p:nvPr/>
+      </p:nvGrpSpPr>
+      <p:grpSpPr>
+        <a:xfrm>
+          <a:off x="0" y="0"/>
+          <a:ext cx="0" cy="0"/>
+          <a:chOff x="0" y="0"/>
+          <a:chExt cx="0" cy="0"/>
+        </a:xfrm>
+      </p:grpSpPr>
+      <p:sp>
+        <p:nvSpPr>
+          <p:cNvPr id="4" name="Textfeld 3">
+            <a:extLst>
+              <a:ext uri="{FF2B5EF4-FFF2-40B4-BE49-F238E27FC236}">
+                <a16:creationId xmlns:a16="http://schemas.microsoft.com/office/drawing/2014/main" id="{6D4BF21B-3119-483B-93D6-796DAC45B0D3}"/>
+              </a:ext>
+            </a:extLst>
+          </p:cNvPr>
+          <p:cNvSpPr txBox="1"/>
+          <p:nvPr/>
+        </p:nvSpPr>
+        <p:spPr>
+          <a:xfrm>
+            <a:off x="44604" y="66498"/>
+            <a:ext cx="686406" cy="369332"/>
+          </a:xfrm>
+          <a:prstGeom prst="rect">
+            <a:avLst/>
+          </a:prstGeom>
+          <a:noFill/>
+        </p:spPr>
+        <p:txBody>
+          <a:bodyPr wrap="none" rtlCol="0">
+            <a:spAutoFit/>
+          </a:bodyPr>
+          <a:lstStyle/>
+          <a:p>
+            <a:r>
+              <a:rPr lang="de-DE" b="1" dirty="0">
+                <a:solidFill>
+                  <a:srgbClr val="0070C0"/>
+                </a:solidFill>
+              </a:rPr>
+              <a:t>Fig. 3</a:t>
+            </a:r>
+          </a:p>
+        </p:txBody>
+      </p:sp>
+      <p:sp>
+        <p:nvSpPr>
+          <p:cNvPr id="5" name="Textfeld 4">
+            <a:extLst>
+              <a:ext uri="{FF2B5EF4-FFF2-40B4-BE49-F238E27FC236}">
+                <a16:creationId xmlns:a16="http://schemas.microsoft.com/office/drawing/2014/main" id="{DD982BE6-D0BF-43A9-9130-164DE9E94254}"/>
+              </a:ext>
+            </a:extLst>
+          </p:cNvPr>
+          <p:cNvSpPr txBox="1"/>
+          <p:nvPr/>
+        </p:nvSpPr>
+        <p:spPr>
+          <a:xfrm>
+            <a:off x="731010" y="90222"/>
+            <a:ext cx="2769412" cy="369332"/>
+          </a:xfrm>
+          <a:prstGeom prst="rect">
+            <a:avLst/>
+          </a:prstGeom>
+          <a:noFill/>
+        </p:spPr>
+        <p:txBody>
+          <a:bodyPr wrap="none" rtlCol="0">
+            <a:spAutoFit/>
+          </a:bodyPr>
+          <a:lstStyle/>
+          <a:p>
+            <a:r>
+              <a:rPr lang="de-DE" b="1" dirty="0"/>
+              <a:t>Hif1a / Hif2a </a:t>
+            </a:r>
+            <a:r>
+              <a:rPr lang="de-DE" b="1" dirty="0" err="1"/>
+              <a:t>specific</a:t>
+            </a:r>
+            <a:r>
+              <a:rPr lang="de-DE" b="1" dirty="0"/>
+              <a:t> genes</a:t>
+            </a:r>
+          </a:p>
+        </p:txBody>
+      </p:sp>
+    </p:spTree>
+    <p:extLst>
+      <p:ext uri="{BB962C8B-B14F-4D97-AF65-F5344CB8AC3E}">
+        <p14:creationId xmlns:p14="http://schemas.microsoft.com/office/powerpoint/2010/main" val="2581768858"/>
       </p:ext>
     </p:extLst>
   </p:cSld>

--- a/4_manuscript/Figures.pptx
+++ b/4_manuscript/Figures.pptx
@@ -4289,6 +4289,53 @@
           </a:p>
         </p:txBody>
       </p:sp>
+      <p:pic>
+        <p:nvPicPr>
+          <p:cNvPr id="4100" name="Picture 4" descr="unnamed-chunk-2-1.png">
+            <a:extLst>
+              <a:ext uri="{FF2B5EF4-FFF2-40B4-BE49-F238E27FC236}">
+                <a16:creationId xmlns:a16="http://schemas.microsoft.com/office/drawing/2014/main" id="{C721215A-0670-4590-B0EB-2775B0AAB1A8}"/>
+              </a:ext>
+            </a:extLst>
+          </p:cNvPr>
+          <p:cNvPicPr>
+            <a:picLocks noChangeAspect="1" noChangeArrowheads="1"/>
+          </p:cNvPicPr>
+          <p:nvPr/>
+        </p:nvPicPr>
+        <p:blipFill>
+          <a:blip r:embed="rId2">
+            <a:extLst>
+              <a:ext uri="{28A0092B-C50C-407E-A947-70E740481C1C}">
+                <a14:useLocalDpi xmlns:a14="http://schemas.microsoft.com/office/drawing/2010/main" val="0"/>
+              </a:ext>
+            </a:extLst>
+          </a:blip>
+          <a:srcRect/>
+          <a:stretch>
+            <a:fillRect/>
+          </a:stretch>
+        </p:blipFill>
+        <p:spPr bwMode="auto">
+          <a:xfrm>
+            <a:off x="889613" y="682703"/>
+            <a:ext cx="10250456" cy="4271023"/>
+          </a:xfrm>
+          <a:prstGeom prst="rect">
+            <a:avLst/>
+          </a:prstGeom>
+          <a:noFill/>
+          <a:extLst>
+            <a:ext uri="{909E8E84-426E-40DD-AFC4-6F175D3DCCD1}">
+              <a14:hiddenFill xmlns:a14="http://schemas.microsoft.com/office/drawing/2010/main">
+                <a:solidFill>
+                  <a:srgbClr val="FFFFFF"/>
+                </a:solidFill>
+              </a14:hiddenFill>
+            </a:ext>
+          </a:extLst>
+        </p:spPr>
+      </p:pic>
     </p:spTree>
     <p:extLst>
       <p:ext uri="{BB962C8B-B14F-4D97-AF65-F5344CB8AC3E}">

--- a/4_manuscript/Figures.pptx
+++ b/4_manuscript/Figures.pptx
@@ -3036,7 +3036,7 @@
         <p:spPr>
           <a:xfrm>
             <a:off x="983778" y="3579540"/>
-            <a:ext cx="3200941" cy="1754326"/>
+            <a:ext cx="4577022" cy="1477328"/>
           </a:xfrm>
           <a:prstGeom prst="rect">
             <a:avLst/>
@@ -3061,7 +3061,7 @@
           <a:p>
             <a:r>
               <a:rPr lang="de-DE" dirty="0"/>
-              <a:t>Simon Kelterborn, Holger Scholz</a:t>
+              <a:t>Simon Kelterborn, Xheni Meci, Holger Scholz</a:t>
             </a:r>
           </a:p>
           <a:p>
@@ -3070,13 +3070,7 @@
           <a:p>
             <a:r>
               <a:rPr lang="de-DE" dirty="0"/>
-              <a:t>Katharina , Karin Kirschner</a:t>
-            </a:r>
-          </a:p>
-          <a:p>
-            <a:r>
-              <a:rPr lang="de-DE" dirty="0"/>
-              <a:t>Xheni, Helena,</a:t>
+              <a:t>Katharina , Karin Kirschner, Helena Landstorfer</a:t>
             </a:r>
           </a:p>
           <a:p>
@@ -4291,10 +4285,10 @@
       </p:sp>
       <p:pic>
         <p:nvPicPr>
-          <p:cNvPr id="4100" name="Picture 4" descr="unnamed-chunk-2-1.png">
+          <p:cNvPr id="4102" name="Picture 6" descr="cluster-1.png">
             <a:extLst>
               <a:ext uri="{FF2B5EF4-FFF2-40B4-BE49-F238E27FC236}">
-                <a16:creationId xmlns:a16="http://schemas.microsoft.com/office/drawing/2014/main" id="{C721215A-0670-4590-B0EB-2775B0AAB1A8}"/>
+                <a16:creationId xmlns:a16="http://schemas.microsoft.com/office/drawing/2014/main" id="{E6FDF468-ACE0-4FA8-ACA7-48BA089D3609}"/>
               </a:ext>
             </a:extLst>
           </p:cNvPr>
@@ -4318,8 +4312,8 @@
         </p:blipFill>
         <p:spPr bwMode="auto">
           <a:xfrm>
-            <a:off x="889613" y="682703"/>
-            <a:ext cx="10250456" cy="4271023"/>
+            <a:off x="387807" y="483278"/>
+            <a:ext cx="8965580" cy="3586232"/>
           </a:xfrm>
           <a:prstGeom prst="rect">
             <a:avLst/>
@@ -4336,6 +4330,76 @@
           </a:extLst>
         </p:spPr>
       </p:pic>
+      <p:sp>
+        <p:nvSpPr>
+          <p:cNvPr id="6" name="Rechteck 5">
+            <a:extLst>
+              <a:ext uri="{FF2B5EF4-FFF2-40B4-BE49-F238E27FC236}">
+                <a16:creationId xmlns:a16="http://schemas.microsoft.com/office/drawing/2014/main" id="{148B0345-BCD9-406A-8FEA-48EAD8D89FBD}"/>
+              </a:ext>
+            </a:extLst>
+          </p:cNvPr>
+          <p:cNvSpPr/>
+          <p:nvPr/>
+        </p:nvSpPr>
+        <p:spPr>
+          <a:xfrm>
+            <a:off x="9497122" y="2700140"/>
+            <a:ext cx="2694878" cy="1200329"/>
+          </a:xfrm>
+          <a:prstGeom prst="rect">
+            <a:avLst/>
+          </a:prstGeom>
+        </p:spPr>
+        <p:txBody>
+          <a:bodyPr wrap="square">
+            <a:spAutoFit/>
+          </a:bodyPr>
+          <a:lstStyle/>
+          <a:p>
+            <a:r>
+              <a:rPr lang="de-DE" b="1" dirty="0">
+                <a:solidFill>
+                  <a:schemeClr val="accent1"/>
+                </a:solidFill>
+              </a:rPr>
+              <a:t>HIF1A:		1736</a:t>
+            </a:r>
+          </a:p>
+          <a:p>
+            <a:r>
+              <a:rPr lang="de-DE" b="1" dirty="0">
+                <a:solidFill>
+                  <a:srgbClr val="00B050"/>
+                </a:solidFill>
+              </a:rPr>
+              <a:t>HIF2A:		3133</a:t>
+            </a:r>
+          </a:p>
+          <a:p>
+            <a:r>
+              <a:rPr lang="de-DE" b="1" dirty="0">
+                <a:solidFill>
+                  <a:srgbClr val="7030A0"/>
+                </a:solidFill>
+              </a:rPr>
+              <a:t>HIF1A_HIF2A:	334</a:t>
+            </a:r>
+          </a:p>
+          <a:p>
+            <a:r>
+              <a:rPr lang="de-DE" b="1" dirty="0">
+                <a:solidFill>
+                  <a:schemeClr val="accent4">
+                    <a:lumMod val="75000"/>
+                  </a:schemeClr>
+                </a:solidFill>
+              </a:rPr>
+              <a:t>„orange“:	171</a:t>
+            </a:r>
+          </a:p>
+        </p:txBody>
+      </p:sp>
     </p:spTree>
     <p:extLst>
       <p:ext uri="{BB962C8B-B14F-4D97-AF65-F5344CB8AC3E}">

--- a/4_manuscript/Figures.pptx
+++ b/4_manuscript/Figures.pptx
@@ -10,6 +10,9 @@
     <p:sldId id="259" r:id="rId4"/>
     <p:sldId id="258" r:id="rId5"/>
     <p:sldId id="260" r:id="rId6"/>
+    <p:sldId id="261" r:id="rId7"/>
+    <p:sldId id="262" r:id="rId8"/>
+    <p:sldId id="263" r:id="rId9"/>
   </p:sldIdLst>
   <p:sldSz cx="12192000" cy="9144000"/>
   <p:notesSz cx="6858000" cy="9144000"/>
@@ -108,6 +111,11 @@
       </a:defRPr>
     </a:lvl9pPr>
   </p:defaultTextStyle>
+  <p:extLst>
+    <p:ext uri="{EFAFB233-063F-42B5-8137-9DF3F51BA10A}">
+      <p15:sldGuideLst xmlns:p15="http://schemas.microsoft.com/office/powerpoint/2012/main"/>
+    </p:ext>
+  </p:extLst>
 </p:presentation>
 </file>
 
@@ -242,7 +250,7 @@
           <a:p>
             <a:fld id="{CA83E775-6EF4-4B31-9E55-FCAAC4AF18A2}" type="datetimeFigureOut">
               <a:rPr lang="de-DE" smtClean="0"/>
-              <a:t>18.07.2024</a:t>
+              <a:t>29.07.2024</a:t>
             </a:fld>
             <a:endParaRPr lang="de-DE"/>
           </a:p>
@@ -412,7 +420,7 @@
           <a:p>
             <a:fld id="{CA83E775-6EF4-4B31-9E55-FCAAC4AF18A2}" type="datetimeFigureOut">
               <a:rPr lang="de-DE" smtClean="0"/>
-              <a:t>18.07.2024</a:t>
+              <a:t>29.07.2024</a:t>
             </a:fld>
             <a:endParaRPr lang="de-DE"/>
           </a:p>
@@ -592,7 +600,7 @@
           <a:p>
             <a:fld id="{CA83E775-6EF4-4B31-9E55-FCAAC4AF18A2}" type="datetimeFigureOut">
               <a:rPr lang="de-DE" smtClean="0"/>
-              <a:t>18.07.2024</a:t>
+              <a:t>29.07.2024</a:t>
             </a:fld>
             <a:endParaRPr lang="de-DE"/>
           </a:p>
@@ -762,7 +770,7 @@
           <a:p>
             <a:fld id="{CA83E775-6EF4-4B31-9E55-FCAAC4AF18A2}" type="datetimeFigureOut">
               <a:rPr lang="de-DE" smtClean="0"/>
-              <a:t>18.07.2024</a:t>
+              <a:t>29.07.2024</a:t>
             </a:fld>
             <a:endParaRPr lang="de-DE"/>
           </a:p>
@@ -1006,7 +1014,7 @@
           <a:p>
             <a:fld id="{CA83E775-6EF4-4B31-9E55-FCAAC4AF18A2}" type="datetimeFigureOut">
               <a:rPr lang="de-DE" smtClean="0"/>
-              <a:t>18.07.2024</a:t>
+              <a:t>29.07.2024</a:t>
             </a:fld>
             <a:endParaRPr lang="de-DE"/>
           </a:p>
@@ -1238,7 +1246,7 @@
           <a:p>
             <a:fld id="{CA83E775-6EF4-4B31-9E55-FCAAC4AF18A2}" type="datetimeFigureOut">
               <a:rPr lang="de-DE" smtClean="0"/>
-              <a:t>18.07.2024</a:t>
+              <a:t>29.07.2024</a:t>
             </a:fld>
             <a:endParaRPr lang="de-DE"/>
           </a:p>
@@ -1605,7 +1613,7 @@
           <a:p>
             <a:fld id="{CA83E775-6EF4-4B31-9E55-FCAAC4AF18A2}" type="datetimeFigureOut">
               <a:rPr lang="de-DE" smtClean="0"/>
-              <a:t>18.07.2024</a:t>
+              <a:t>29.07.2024</a:t>
             </a:fld>
             <a:endParaRPr lang="de-DE"/>
           </a:p>
@@ -1723,7 +1731,7 @@
           <a:p>
             <a:fld id="{CA83E775-6EF4-4B31-9E55-FCAAC4AF18A2}" type="datetimeFigureOut">
               <a:rPr lang="de-DE" smtClean="0"/>
-              <a:t>18.07.2024</a:t>
+              <a:t>29.07.2024</a:t>
             </a:fld>
             <a:endParaRPr lang="de-DE"/>
           </a:p>
@@ -1818,7 +1826,7 @@
           <a:p>
             <a:fld id="{CA83E775-6EF4-4B31-9E55-FCAAC4AF18A2}" type="datetimeFigureOut">
               <a:rPr lang="de-DE" smtClean="0"/>
-              <a:t>18.07.2024</a:t>
+              <a:t>29.07.2024</a:t>
             </a:fld>
             <a:endParaRPr lang="de-DE"/>
           </a:p>
@@ -2095,7 +2103,7 @@
           <a:p>
             <a:fld id="{CA83E775-6EF4-4B31-9E55-FCAAC4AF18A2}" type="datetimeFigureOut">
               <a:rPr lang="de-DE" smtClean="0"/>
-              <a:t>18.07.2024</a:t>
+              <a:t>29.07.2024</a:t>
             </a:fld>
             <a:endParaRPr lang="de-DE"/>
           </a:p>
@@ -2352,7 +2360,7 @@
           <a:p>
             <a:fld id="{CA83E775-6EF4-4B31-9E55-FCAAC4AF18A2}" type="datetimeFigureOut">
               <a:rPr lang="de-DE" smtClean="0"/>
-              <a:t>18.07.2024</a:t>
+              <a:t>29.07.2024</a:t>
             </a:fld>
             <a:endParaRPr lang="de-DE"/>
           </a:p>
@@ -2565,7 +2573,7 @@
           <a:p>
             <a:fld id="{CA83E775-6EF4-4B31-9E55-FCAAC4AF18A2}" type="datetimeFigureOut">
               <a:rPr lang="de-DE" smtClean="0"/>
-              <a:t>18.07.2024</a:t>
+              <a:t>29.07.2024</a:t>
             </a:fld>
             <a:endParaRPr lang="de-DE"/>
           </a:p>
@@ -4400,10 +4408,1721 @@
           </a:p>
         </p:txBody>
       </p:sp>
+      <p:sp>
+        <p:nvSpPr>
+          <p:cNvPr id="2" name="Textfeld 1">
+            <a:extLst>
+              <a:ext uri="{FF2B5EF4-FFF2-40B4-BE49-F238E27FC236}">
+                <a16:creationId xmlns:a16="http://schemas.microsoft.com/office/drawing/2014/main" id="{C1363CD7-441D-4411-880E-DEA74004CFB0}"/>
+              </a:ext>
+            </a:extLst>
+          </p:cNvPr>
+          <p:cNvSpPr txBox="1"/>
+          <p:nvPr/>
+        </p:nvSpPr>
+        <p:spPr>
+          <a:xfrm>
+            <a:off x="495300" y="4889825"/>
+            <a:ext cx="2710357" cy="369332"/>
+          </a:xfrm>
+          <a:prstGeom prst="rect">
+            <a:avLst/>
+          </a:prstGeom>
+          <a:noFill/>
+        </p:spPr>
+        <p:txBody>
+          <a:bodyPr wrap="none" rtlCol="0">
+            <a:spAutoFit/>
+          </a:bodyPr>
+          <a:lstStyle/>
+          <a:p>
+            <a:r>
+              <a:rPr lang="de-DE" b="1" dirty="0">
+                <a:solidFill>
+                  <a:srgbClr val="7030A0"/>
+                </a:solidFill>
+              </a:rPr>
+              <a:t>-&gt; </a:t>
+            </a:r>
+            <a:r>
+              <a:rPr lang="de-DE" b="1" dirty="0" err="1">
+                <a:solidFill>
+                  <a:srgbClr val="7030A0"/>
+                </a:solidFill>
+              </a:rPr>
+              <a:t>Only</a:t>
+            </a:r>
+            <a:r>
+              <a:rPr lang="de-DE" b="1" dirty="0">
+                <a:solidFill>
+                  <a:srgbClr val="7030A0"/>
+                </a:solidFill>
+              </a:rPr>
+              <a:t> </a:t>
+            </a:r>
+            <a:r>
+              <a:rPr lang="de-DE" b="1" dirty="0" err="1">
+                <a:solidFill>
+                  <a:srgbClr val="7030A0"/>
+                </a:solidFill>
+              </a:rPr>
+              <a:t>few</a:t>
+            </a:r>
+            <a:r>
+              <a:rPr lang="de-DE" b="1" dirty="0">
+                <a:solidFill>
+                  <a:srgbClr val="7030A0"/>
+                </a:solidFill>
+              </a:rPr>
+              <a:t> „parallel“: 334</a:t>
+            </a:r>
+          </a:p>
+        </p:txBody>
+      </p:sp>
     </p:spTree>
     <p:extLst>
       <p:ext uri="{BB962C8B-B14F-4D97-AF65-F5344CB8AC3E}">
         <p14:creationId xmlns:p14="http://schemas.microsoft.com/office/powerpoint/2010/main" val="2581768858"/>
+      </p:ext>
+    </p:extLst>
+  </p:cSld>
+  <p:clrMapOvr>
+    <a:masterClrMapping/>
+  </p:clrMapOvr>
+</p:sld>
+</file>
+
+<file path=ppt/slides/slide6.xml><?xml version="1.0" encoding="utf-8"?>
+<p:sld xmlns:a="http://schemas.openxmlformats.org/drawingml/2006/main" xmlns:r="http://schemas.openxmlformats.org/officeDocument/2006/relationships" xmlns:p="http://schemas.openxmlformats.org/presentationml/2006/main">
+  <p:cSld>
+    <p:spTree>
+      <p:nvGrpSpPr>
+        <p:cNvPr id="1" name=""/>
+        <p:cNvGrpSpPr/>
+        <p:nvPr/>
+      </p:nvGrpSpPr>
+      <p:grpSpPr>
+        <a:xfrm>
+          <a:off x="0" y="0"/>
+          <a:ext cx="0" cy="0"/>
+          <a:chOff x="0" y="0"/>
+          <a:chExt cx="0" cy="0"/>
+        </a:xfrm>
+      </p:grpSpPr>
+      <p:sp>
+        <p:nvSpPr>
+          <p:cNvPr id="4" name="Textfeld 3">
+            <a:extLst>
+              <a:ext uri="{FF2B5EF4-FFF2-40B4-BE49-F238E27FC236}">
+                <a16:creationId xmlns:a16="http://schemas.microsoft.com/office/drawing/2014/main" id="{17109856-2059-4F46-B1F7-BA1AE07230ED}"/>
+              </a:ext>
+            </a:extLst>
+          </p:cNvPr>
+          <p:cNvSpPr txBox="1"/>
+          <p:nvPr/>
+        </p:nvSpPr>
+        <p:spPr>
+          <a:xfrm>
+            <a:off x="44604" y="66498"/>
+            <a:ext cx="686406" cy="369332"/>
+          </a:xfrm>
+          <a:prstGeom prst="rect">
+            <a:avLst/>
+          </a:prstGeom>
+          <a:noFill/>
+        </p:spPr>
+        <p:txBody>
+          <a:bodyPr wrap="none" rtlCol="0">
+            <a:spAutoFit/>
+          </a:bodyPr>
+          <a:lstStyle/>
+          <a:p>
+            <a:r>
+              <a:rPr lang="de-DE" b="1" dirty="0">
+                <a:solidFill>
+                  <a:srgbClr val="0070C0"/>
+                </a:solidFill>
+              </a:rPr>
+              <a:t>Fig. 4</a:t>
+            </a:r>
+          </a:p>
+        </p:txBody>
+      </p:sp>
+      <p:sp>
+        <p:nvSpPr>
+          <p:cNvPr id="5" name="Textfeld 4">
+            <a:extLst>
+              <a:ext uri="{FF2B5EF4-FFF2-40B4-BE49-F238E27FC236}">
+                <a16:creationId xmlns:a16="http://schemas.microsoft.com/office/drawing/2014/main" id="{1FAD76FC-9E09-456A-AB94-7F23FACBADF7}"/>
+              </a:ext>
+            </a:extLst>
+          </p:cNvPr>
+          <p:cNvSpPr txBox="1"/>
+          <p:nvPr/>
+        </p:nvSpPr>
+        <p:spPr>
+          <a:xfrm>
+            <a:off x="731010" y="90222"/>
+            <a:ext cx="691215" cy="369332"/>
+          </a:xfrm>
+          <a:prstGeom prst="rect">
+            <a:avLst/>
+          </a:prstGeom>
+          <a:noFill/>
+        </p:spPr>
+        <p:txBody>
+          <a:bodyPr wrap="none" rtlCol="0">
+            <a:spAutoFit/>
+          </a:bodyPr>
+          <a:lstStyle/>
+          <a:p>
+            <a:r>
+              <a:rPr lang="de-DE" b="1" dirty="0"/>
+              <a:t>Hif1a</a:t>
+            </a:r>
+          </a:p>
+        </p:txBody>
+      </p:sp>
+    </p:spTree>
+    <p:extLst>
+      <p:ext uri="{BB962C8B-B14F-4D97-AF65-F5344CB8AC3E}">
+        <p14:creationId xmlns:p14="http://schemas.microsoft.com/office/powerpoint/2010/main" val="196404348"/>
+      </p:ext>
+    </p:extLst>
+  </p:cSld>
+  <p:clrMapOvr>
+    <a:masterClrMapping/>
+  </p:clrMapOvr>
+</p:sld>
+</file>
+
+<file path=ppt/slides/slide7.xml><?xml version="1.0" encoding="utf-8"?>
+<p:sld xmlns:a="http://schemas.openxmlformats.org/drawingml/2006/main" xmlns:r="http://schemas.openxmlformats.org/officeDocument/2006/relationships" xmlns:p="http://schemas.openxmlformats.org/presentationml/2006/main">
+  <p:cSld>
+    <p:spTree>
+      <p:nvGrpSpPr>
+        <p:cNvPr id="1" name=""/>
+        <p:cNvGrpSpPr/>
+        <p:nvPr/>
+      </p:nvGrpSpPr>
+      <p:grpSpPr>
+        <a:xfrm>
+          <a:off x="0" y="0"/>
+          <a:ext cx="0" cy="0"/>
+          <a:chOff x="0" y="0"/>
+          <a:chExt cx="0" cy="0"/>
+        </a:xfrm>
+      </p:grpSpPr>
+      <p:sp>
+        <p:nvSpPr>
+          <p:cNvPr id="59" name="Rechteck 58">
+            <a:extLst>
+              <a:ext uri="{FF2B5EF4-FFF2-40B4-BE49-F238E27FC236}">
+                <a16:creationId xmlns:a16="http://schemas.microsoft.com/office/drawing/2014/main" id="{8E8A6067-1B39-403D-AEBF-B7A76B301EA2}"/>
+              </a:ext>
+            </a:extLst>
+          </p:cNvPr>
+          <p:cNvSpPr/>
+          <p:nvPr/>
+        </p:nvSpPr>
+        <p:spPr>
+          <a:xfrm>
+            <a:off x="44603" y="5411147"/>
+            <a:ext cx="12007687" cy="2240733"/>
+          </a:xfrm>
+          <a:prstGeom prst="rect">
+            <a:avLst/>
+          </a:prstGeom>
+          <a:solidFill>
+            <a:srgbClr val="548235">
+              <a:alpha val="50196"/>
+            </a:srgbClr>
+          </a:solidFill>
+          <a:ln>
+            <a:noFill/>
+          </a:ln>
+        </p:spPr>
+        <p:style>
+          <a:lnRef idx="2">
+            <a:schemeClr val="accent1">
+              <a:shade val="50000"/>
+            </a:schemeClr>
+          </a:lnRef>
+          <a:fillRef idx="1">
+            <a:schemeClr val="accent1"/>
+          </a:fillRef>
+          <a:effectRef idx="0">
+            <a:schemeClr val="accent1"/>
+          </a:effectRef>
+          <a:fontRef idx="minor">
+            <a:schemeClr val="lt1"/>
+          </a:fontRef>
+        </p:style>
+        <p:txBody>
+          <a:bodyPr rtlCol="0" anchor="ctr"/>
+          <a:lstStyle/>
+          <a:p>
+            <a:pPr algn="ctr"/>
+            <a:endParaRPr lang="de-DE"/>
+          </a:p>
+        </p:txBody>
+      </p:sp>
+      <p:sp>
+        <p:nvSpPr>
+          <p:cNvPr id="4" name="Textfeld 3">
+            <a:extLst>
+              <a:ext uri="{FF2B5EF4-FFF2-40B4-BE49-F238E27FC236}">
+                <a16:creationId xmlns:a16="http://schemas.microsoft.com/office/drawing/2014/main" id="{89E38E59-0F25-437F-BBB9-E8FF51FAD1E0}"/>
+              </a:ext>
+            </a:extLst>
+          </p:cNvPr>
+          <p:cNvSpPr txBox="1"/>
+          <p:nvPr/>
+        </p:nvSpPr>
+        <p:spPr>
+          <a:xfrm>
+            <a:off x="44604" y="66498"/>
+            <a:ext cx="2132700" cy="369332"/>
+          </a:xfrm>
+          <a:prstGeom prst="rect">
+            <a:avLst/>
+          </a:prstGeom>
+          <a:noFill/>
+        </p:spPr>
+        <p:txBody>
+          <a:bodyPr wrap="none" rtlCol="0">
+            <a:spAutoFit/>
+          </a:bodyPr>
+          <a:lstStyle/>
+          <a:p>
+            <a:r>
+              <a:rPr lang="de-DE" b="1" dirty="0">
+                <a:solidFill>
+                  <a:srgbClr val="0070C0"/>
+                </a:solidFill>
+              </a:rPr>
+              <a:t>Extra: Kelly </a:t>
+            </a:r>
+            <a:r>
+              <a:rPr lang="de-DE" b="1" dirty="0" err="1">
+                <a:solidFill>
+                  <a:srgbClr val="0070C0"/>
+                </a:solidFill>
+              </a:rPr>
+              <a:t>ChIP-Seq</a:t>
+            </a:r>
+            <a:endParaRPr lang="de-DE" b="1" dirty="0">
+              <a:solidFill>
+                <a:srgbClr val="0070C0"/>
+              </a:solidFill>
+            </a:endParaRPr>
+          </a:p>
+        </p:txBody>
+      </p:sp>
+      <p:pic>
+        <p:nvPicPr>
+          <p:cNvPr id="5" name="Grafik 4">
+            <a:extLst>
+              <a:ext uri="{FF2B5EF4-FFF2-40B4-BE49-F238E27FC236}">
+                <a16:creationId xmlns:a16="http://schemas.microsoft.com/office/drawing/2014/main" id="{AA5DCFD5-6E1E-4B4C-A3B6-C18255F73867}"/>
+              </a:ext>
+            </a:extLst>
+          </p:cNvPr>
+          <p:cNvPicPr>
+            <a:picLocks noChangeAspect="1"/>
+          </p:cNvPicPr>
+          <p:nvPr/>
+        </p:nvPicPr>
+        <p:blipFill rotWithShape="1">
+          <a:blip r:embed="rId2"/>
+          <a:srcRect t="1346" b="1"/>
+          <a:stretch/>
+        </p:blipFill>
+        <p:spPr>
+          <a:xfrm>
+            <a:off x="379606" y="624468"/>
+            <a:ext cx="10757009" cy="3947532"/>
+          </a:xfrm>
+          <a:prstGeom prst="rect">
+            <a:avLst/>
+          </a:prstGeom>
+        </p:spPr>
+      </p:pic>
+      <p:sp>
+        <p:nvSpPr>
+          <p:cNvPr id="6" name="Rechteck 5">
+            <a:extLst>
+              <a:ext uri="{FF2B5EF4-FFF2-40B4-BE49-F238E27FC236}">
+                <a16:creationId xmlns:a16="http://schemas.microsoft.com/office/drawing/2014/main" id="{B29507D6-CBCD-4862-B6DC-87BB7DA4876B}"/>
+              </a:ext>
+            </a:extLst>
+          </p:cNvPr>
+          <p:cNvSpPr/>
+          <p:nvPr/>
+        </p:nvSpPr>
+        <p:spPr>
+          <a:xfrm>
+            <a:off x="8184995" y="847493"/>
+            <a:ext cx="289932" cy="1750741"/>
+          </a:xfrm>
+          <a:prstGeom prst="rect">
+            <a:avLst/>
+          </a:prstGeom>
+          <a:solidFill>
+            <a:srgbClr val="548235">
+              <a:alpha val="50196"/>
+            </a:srgbClr>
+          </a:solidFill>
+          <a:ln>
+            <a:noFill/>
+          </a:ln>
+        </p:spPr>
+        <p:style>
+          <a:lnRef idx="2">
+            <a:schemeClr val="accent1">
+              <a:shade val="50000"/>
+            </a:schemeClr>
+          </a:lnRef>
+          <a:fillRef idx="1">
+            <a:schemeClr val="accent1"/>
+          </a:fillRef>
+          <a:effectRef idx="0">
+            <a:schemeClr val="accent1"/>
+          </a:effectRef>
+          <a:fontRef idx="minor">
+            <a:schemeClr val="lt1"/>
+          </a:fontRef>
+        </p:style>
+        <p:txBody>
+          <a:bodyPr rtlCol="0" anchor="ctr"/>
+          <a:lstStyle/>
+          <a:p>
+            <a:pPr algn="ctr"/>
+            <a:endParaRPr lang="de-DE"/>
+          </a:p>
+        </p:txBody>
+      </p:sp>
+      <p:sp>
+        <p:nvSpPr>
+          <p:cNvPr id="7" name="Rechteck 6">
+            <a:extLst>
+              <a:ext uri="{FF2B5EF4-FFF2-40B4-BE49-F238E27FC236}">
+                <a16:creationId xmlns:a16="http://schemas.microsoft.com/office/drawing/2014/main" id="{FD32D0A3-02FD-40A3-98A8-F2AC1FD4D37D}"/>
+              </a:ext>
+            </a:extLst>
+          </p:cNvPr>
+          <p:cNvSpPr/>
+          <p:nvPr/>
+        </p:nvSpPr>
+        <p:spPr>
+          <a:xfrm>
+            <a:off x="8184995" y="2598234"/>
+            <a:ext cx="289932" cy="1750741"/>
+          </a:xfrm>
+          <a:prstGeom prst="rect">
+            <a:avLst/>
+          </a:prstGeom>
+          <a:solidFill>
+            <a:srgbClr val="0070C0">
+              <a:alpha val="50196"/>
+            </a:srgbClr>
+          </a:solidFill>
+          <a:ln>
+            <a:noFill/>
+          </a:ln>
+        </p:spPr>
+        <p:style>
+          <a:lnRef idx="2">
+            <a:schemeClr val="accent1">
+              <a:shade val="50000"/>
+            </a:schemeClr>
+          </a:lnRef>
+          <a:fillRef idx="1">
+            <a:schemeClr val="accent1"/>
+          </a:fillRef>
+          <a:effectRef idx="0">
+            <a:schemeClr val="accent1"/>
+          </a:effectRef>
+          <a:fontRef idx="minor">
+            <a:schemeClr val="lt1"/>
+          </a:fontRef>
+        </p:style>
+        <p:txBody>
+          <a:bodyPr rtlCol="0" anchor="ctr"/>
+          <a:lstStyle/>
+          <a:p>
+            <a:pPr algn="ctr"/>
+            <a:endParaRPr lang="de-DE"/>
+          </a:p>
+        </p:txBody>
+      </p:sp>
+      <p:sp>
+        <p:nvSpPr>
+          <p:cNvPr id="8" name="Rechteck 7">
+            <a:extLst>
+              <a:ext uri="{FF2B5EF4-FFF2-40B4-BE49-F238E27FC236}">
+                <a16:creationId xmlns:a16="http://schemas.microsoft.com/office/drawing/2014/main" id="{1358F450-6359-4924-9FD5-70CBA6FAD0B3}"/>
+              </a:ext>
+            </a:extLst>
+          </p:cNvPr>
+          <p:cNvSpPr/>
+          <p:nvPr/>
+        </p:nvSpPr>
+        <p:spPr>
+          <a:xfrm>
+            <a:off x="5601993" y="847492"/>
+            <a:ext cx="289932" cy="880947"/>
+          </a:xfrm>
+          <a:prstGeom prst="rect">
+            <a:avLst/>
+          </a:prstGeom>
+          <a:solidFill>
+            <a:schemeClr val="accent2">
+              <a:alpha val="50196"/>
+            </a:schemeClr>
+          </a:solidFill>
+          <a:ln>
+            <a:noFill/>
+          </a:ln>
+        </p:spPr>
+        <p:style>
+          <a:lnRef idx="2">
+            <a:schemeClr val="accent1">
+              <a:shade val="50000"/>
+            </a:schemeClr>
+          </a:lnRef>
+          <a:fillRef idx="1">
+            <a:schemeClr val="accent1"/>
+          </a:fillRef>
+          <a:effectRef idx="0">
+            <a:schemeClr val="accent1"/>
+          </a:effectRef>
+          <a:fontRef idx="minor">
+            <a:schemeClr val="lt1"/>
+          </a:fontRef>
+        </p:style>
+        <p:txBody>
+          <a:bodyPr rtlCol="0" anchor="ctr"/>
+          <a:lstStyle/>
+          <a:p>
+            <a:pPr algn="ctr"/>
+            <a:endParaRPr lang="de-DE" dirty="0"/>
+          </a:p>
+        </p:txBody>
+      </p:sp>
+      <p:sp>
+        <p:nvSpPr>
+          <p:cNvPr id="9" name="Rechteck 8">
+            <a:extLst>
+              <a:ext uri="{FF2B5EF4-FFF2-40B4-BE49-F238E27FC236}">
+                <a16:creationId xmlns:a16="http://schemas.microsoft.com/office/drawing/2014/main" id="{0CA55AB6-8FC6-4C8C-9A05-E1E40E68F780}"/>
+              </a:ext>
+            </a:extLst>
+          </p:cNvPr>
+          <p:cNvSpPr/>
+          <p:nvPr/>
+        </p:nvSpPr>
+        <p:spPr>
+          <a:xfrm>
+            <a:off x="5601993" y="1722863"/>
+            <a:ext cx="289932" cy="880947"/>
+          </a:xfrm>
+          <a:prstGeom prst="rect">
+            <a:avLst/>
+          </a:prstGeom>
+          <a:solidFill>
+            <a:schemeClr val="accent1">
+              <a:alpha val="50196"/>
+            </a:schemeClr>
+          </a:solidFill>
+          <a:ln>
+            <a:noFill/>
+          </a:ln>
+        </p:spPr>
+        <p:style>
+          <a:lnRef idx="2">
+            <a:schemeClr val="accent1">
+              <a:shade val="50000"/>
+            </a:schemeClr>
+          </a:lnRef>
+          <a:fillRef idx="1">
+            <a:schemeClr val="accent1"/>
+          </a:fillRef>
+          <a:effectRef idx="0">
+            <a:schemeClr val="accent1"/>
+          </a:effectRef>
+          <a:fontRef idx="minor">
+            <a:schemeClr val="lt1"/>
+          </a:fontRef>
+        </p:style>
+        <p:txBody>
+          <a:bodyPr rtlCol="0" anchor="ctr"/>
+          <a:lstStyle/>
+          <a:p>
+            <a:pPr algn="ctr"/>
+            <a:endParaRPr lang="de-DE"/>
+          </a:p>
+        </p:txBody>
+      </p:sp>
+      <p:pic>
+        <p:nvPicPr>
+          <p:cNvPr id="10" name="Grafik 9">
+            <a:extLst>
+              <a:ext uri="{FF2B5EF4-FFF2-40B4-BE49-F238E27FC236}">
+                <a16:creationId xmlns:a16="http://schemas.microsoft.com/office/drawing/2014/main" id="{84877DF8-34B2-4EC5-9C75-A5DCD1652800}"/>
+              </a:ext>
+            </a:extLst>
+          </p:cNvPr>
+          <p:cNvPicPr>
+            <a:picLocks noChangeAspect="1"/>
+          </p:cNvPicPr>
+          <p:nvPr/>
+        </p:nvPicPr>
+        <p:blipFill rotWithShape="1">
+          <a:blip r:embed="rId2"/>
+          <a:srcRect l="38904" t="13608" r="43162" b="71343"/>
+          <a:stretch/>
+        </p:blipFill>
+        <p:spPr>
+          <a:xfrm>
+            <a:off x="44604" y="5567319"/>
+            <a:ext cx="1643178" cy="512900"/>
+          </a:xfrm>
+          <a:prstGeom prst="rect">
+            <a:avLst/>
+          </a:prstGeom>
+        </p:spPr>
+      </p:pic>
+      <p:pic>
+        <p:nvPicPr>
+          <p:cNvPr id="11" name="Grafik 10">
+            <a:extLst>
+              <a:ext uri="{FF2B5EF4-FFF2-40B4-BE49-F238E27FC236}">
+                <a16:creationId xmlns:a16="http://schemas.microsoft.com/office/drawing/2014/main" id="{E4404DB7-A558-4B2D-9A57-F505C5D5B39F}"/>
+              </a:ext>
+            </a:extLst>
+          </p:cNvPr>
+          <p:cNvPicPr>
+            <a:picLocks noChangeAspect="1"/>
+          </p:cNvPicPr>
+          <p:nvPr/>
+        </p:nvPicPr>
+        <p:blipFill rotWithShape="1">
+          <a:blip r:embed="rId2"/>
+          <a:srcRect l="39008" t="35252" r="43058" b="49699"/>
+          <a:stretch/>
+        </p:blipFill>
+        <p:spPr>
+          <a:xfrm>
+            <a:off x="44604" y="6648988"/>
+            <a:ext cx="1643178" cy="512900"/>
+          </a:xfrm>
+          <a:prstGeom prst="rect">
+            <a:avLst/>
+          </a:prstGeom>
+        </p:spPr>
+      </p:pic>
+      <p:sp>
+        <p:nvSpPr>
+          <p:cNvPr id="12" name="Textfeld 11">
+            <a:extLst>
+              <a:ext uri="{FF2B5EF4-FFF2-40B4-BE49-F238E27FC236}">
+                <a16:creationId xmlns:a16="http://schemas.microsoft.com/office/drawing/2014/main" id="{A7B66D40-14A6-4CAC-8B54-3ED19F19BF6F}"/>
+              </a:ext>
+            </a:extLst>
+          </p:cNvPr>
+          <p:cNvSpPr txBox="1"/>
+          <p:nvPr/>
+        </p:nvSpPr>
+        <p:spPr>
+          <a:xfrm>
+            <a:off x="1055112" y="4933123"/>
+            <a:ext cx="2235677" cy="369332"/>
+          </a:xfrm>
+          <a:prstGeom prst="rect">
+            <a:avLst/>
+          </a:prstGeom>
+          <a:noFill/>
+        </p:spPr>
+        <p:txBody>
+          <a:bodyPr wrap="none" rtlCol="0">
+            <a:spAutoFit/>
+          </a:bodyPr>
+          <a:lstStyle/>
+          <a:p>
+            <a:r>
+              <a:rPr lang="de-DE" b="1" dirty="0">
+                <a:solidFill>
+                  <a:schemeClr val="accent6">
+                    <a:lumMod val="60000"/>
+                    <a:lumOff val="40000"/>
+                  </a:schemeClr>
+                </a:solidFill>
+              </a:rPr>
+              <a:t>1.) MACS </a:t>
+            </a:r>
+            <a:r>
+              <a:rPr lang="de-DE" b="1" dirty="0" err="1">
+                <a:solidFill>
+                  <a:schemeClr val="accent6">
+                    <a:lumMod val="60000"/>
+                    <a:lumOff val="40000"/>
+                  </a:schemeClr>
+                </a:solidFill>
+              </a:rPr>
+              <a:t>peak</a:t>
+            </a:r>
+            <a:r>
+              <a:rPr lang="de-DE" b="1" dirty="0">
+                <a:solidFill>
+                  <a:schemeClr val="accent6">
+                    <a:lumMod val="60000"/>
+                    <a:lumOff val="40000"/>
+                  </a:schemeClr>
+                </a:solidFill>
+              </a:rPr>
+              <a:t> </a:t>
+            </a:r>
+            <a:r>
+              <a:rPr lang="de-DE" b="1" dirty="0" err="1">
+                <a:solidFill>
+                  <a:schemeClr val="accent6">
+                    <a:lumMod val="60000"/>
+                    <a:lumOff val="40000"/>
+                  </a:schemeClr>
+                </a:solidFill>
+              </a:rPr>
+              <a:t>calling</a:t>
+            </a:r>
+            <a:endParaRPr lang="de-DE" b="1" dirty="0">
+              <a:solidFill>
+                <a:schemeClr val="accent6">
+                  <a:lumMod val="60000"/>
+                  <a:lumOff val="40000"/>
+                </a:schemeClr>
+              </a:solidFill>
+            </a:endParaRPr>
+          </a:p>
+        </p:txBody>
+      </p:sp>
+      <p:pic>
+        <p:nvPicPr>
+          <p:cNvPr id="13" name="Grafik 12">
+            <a:extLst>
+              <a:ext uri="{FF2B5EF4-FFF2-40B4-BE49-F238E27FC236}">
+                <a16:creationId xmlns:a16="http://schemas.microsoft.com/office/drawing/2014/main" id="{B025E116-9891-42B0-B5A6-4FA6F57DD9D9}"/>
+              </a:ext>
+            </a:extLst>
+          </p:cNvPr>
+          <p:cNvPicPr>
+            <a:picLocks noChangeAspect="1"/>
+          </p:cNvPicPr>
+          <p:nvPr/>
+        </p:nvPicPr>
+        <p:blipFill rotWithShape="1">
+          <a:blip r:embed="rId2"/>
+          <a:srcRect l="38904" t="8128" r="43162" b="86763"/>
+          <a:stretch/>
+        </p:blipFill>
+        <p:spPr>
+          <a:xfrm>
+            <a:off x="2144517" y="5756476"/>
+            <a:ext cx="1643178" cy="174133"/>
+          </a:xfrm>
+          <a:prstGeom prst="rect">
+            <a:avLst/>
+          </a:prstGeom>
+        </p:spPr>
+      </p:pic>
+      <p:pic>
+        <p:nvPicPr>
+          <p:cNvPr id="14" name="Grafik 13">
+            <a:extLst>
+              <a:ext uri="{FF2B5EF4-FFF2-40B4-BE49-F238E27FC236}">
+                <a16:creationId xmlns:a16="http://schemas.microsoft.com/office/drawing/2014/main" id="{C0A663B3-C675-44CF-8AE6-BAA55D33FC58}"/>
+              </a:ext>
+            </a:extLst>
+          </p:cNvPr>
+          <p:cNvPicPr>
+            <a:picLocks noChangeAspect="1"/>
+          </p:cNvPicPr>
+          <p:nvPr/>
+        </p:nvPicPr>
+        <p:blipFill rotWithShape="1">
+          <a:blip r:embed="rId2"/>
+          <a:srcRect l="38727" t="29017" r="43339" b="65874"/>
+          <a:stretch/>
+        </p:blipFill>
+        <p:spPr>
+          <a:xfrm>
+            <a:off x="2144517" y="6794934"/>
+            <a:ext cx="1643178" cy="174133"/>
+          </a:xfrm>
+          <a:prstGeom prst="rect">
+            <a:avLst/>
+          </a:prstGeom>
+        </p:spPr>
+      </p:pic>
+      <p:cxnSp>
+        <p:nvCxnSpPr>
+          <p:cNvPr id="16" name="Gerader Verbinder 15">
+            <a:extLst>
+              <a:ext uri="{FF2B5EF4-FFF2-40B4-BE49-F238E27FC236}">
+                <a16:creationId xmlns:a16="http://schemas.microsoft.com/office/drawing/2014/main" id="{69DF4CE8-F28B-478E-8A1E-EBBA07129037}"/>
+              </a:ext>
+            </a:extLst>
+          </p:cNvPr>
+          <p:cNvCxnSpPr>
+            <a:cxnSpLocks/>
+          </p:cNvCxnSpPr>
+          <p:nvPr/>
+        </p:nvCxnSpPr>
+        <p:spPr>
+          <a:xfrm>
+            <a:off x="1687782" y="5641811"/>
+            <a:ext cx="456735" cy="208155"/>
+          </a:xfrm>
+          <a:prstGeom prst="line">
+            <a:avLst/>
+          </a:prstGeom>
+        </p:spPr>
+        <p:style>
+          <a:lnRef idx="1">
+            <a:schemeClr val="accent1"/>
+          </a:lnRef>
+          <a:fillRef idx="0">
+            <a:schemeClr val="accent1"/>
+          </a:fillRef>
+          <a:effectRef idx="0">
+            <a:schemeClr val="accent1"/>
+          </a:effectRef>
+          <a:fontRef idx="minor">
+            <a:schemeClr val="tx1"/>
+          </a:fontRef>
+        </p:style>
+      </p:cxnSp>
+      <p:cxnSp>
+        <p:nvCxnSpPr>
+          <p:cNvPr id="17" name="Gerader Verbinder 16">
+            <a:extLst>
+              <a:ext uri="{FF2B5EF4-FFF2-40B4-BE49-F238E27FC236}">
+                <a16:creationId xmlns:a16="http://schemas.microsoft.com/office/drawing/2014/main" id="{235C632B-BB88-48FD-9CB4-CD88B111F012}"/>
+              </a:ext>
+            </a:extLst>
+          </p:cNvPr>
+          <p:cNvCxnSpPr>
+            <a:cxnSpLocks/>
+          </p:cNvCxnSpPr>
+          <p:nvPr/>
+        </p:nvCxnSpPr>
+        <p:spPr>
+          <a:xfrm>
+            <a:off x="1687782" y="5849966"/>
+            <a:ext cx="456735" cy="0"/>
+          </a:xfrm>
+          <a:prstGeom prst="line">
+            <a:avLst/>
+          </a:prstGeom>
+        </p:spPr>
+        <p:style>
+          <a:lnRef idx="1">
+            <a:schemeClr val="accent1"/>
+          </a:lnRef>
+          <a:fillRef idx="0">
+            <a:schemeClr val="accent1"/>
+          </a:fillRef>
+          <a:effectRef idx="0">
+            <a:schemeClr val="accent1"/>
+          </a:effectRef>
+          <a:fontRef idx="minor">
+            <a:schemeClr val="tx1"/>
+          </a:fontRef>
+        </p:style>
+      </p:cxnSp>
+      <p:cxnSp>
+        <p:nvCxnSpPr>
+          <p:cNvPr id="19" name="Gerader Verbinder 18">
+            <a:extLst>
+              <a:ext uri="{FF2B5EF4-FFF2-40B4-BE49-F238E27FC236}">
+                <a16:creationId xmlns:a16="http://schemas.microsoft.com/office/drawing/2014/main" id="{08F2B947-B4B5-473A-A83B-B7779B63E01E}"/>
+              </a:ext>
+            </a:extLst>
+          </p:cNvPr>
+          <p:cNvCxnSpPr>
+            <a:cxnSpLocks/>
+          </p:cNvCxnSpPr>
+          <p:nvPr/>
+        </p:nvCxnSpPr>
+        <p:spPr>
+          <a:xfrm flipV="1">
+            <a:off x="1687782" y="5849967"/>
+            <a:ext cx="456735" cy="199793"/>
+          </a:xfrm>
+          <a:prstGeom prst="line">
+            <a:avLst/>
+          </a:prstGeom>
+        </p:spPr>
+        <p:style>
+          <a:lnRef idx="1">
+            <a:schemeClr val="accent1"/>
+          </a:lnRef>
+          <a:fillRef idx="0">
+            <a:schemeClr val="accent1"/>
+          </a:fillRef>
+          <a:effectRef idx="0">
+            <a:schemeClr val="accent1"/>
+          </a:effectRef>
+          <a:fontRef idx="minor">
+            <a:schemeClr val="tx1"/>
+          </a:fontRef>
+        </p:style>
+      </p:cxnSp>
+      <p:cxnSp>
+        <p:nvCxnSpPr>
+          <p:cNvPr id="21" name="Gerader Verbinder 20">
+            <a:extLst>
+              <a:ext uri="{FF2B5EF4-FFF2-40B4-BE49-F238E27FC236}">
+                <a16:creationId xmlns:a16="http://schemas.microsoft.com/office/drawing/2014/main" id="{B51C116C-F91B-495E-9749-2DFB9D811C7F}"/>
+              </a:ext>
+            </a:extLst>
+          </p:cNvPr>
+          <p:cNvCxnSpPr>
+            <a:cxnSpLocks/>
+          </p:cNvCxnSpPr>
+          <p:nvPr/>
+        </p:nvCxnSpPr>
+        <p:spPr>
+          <a:xfrm>
+            <a:off x="1687782" y="6680269"/>
+            <a:ext cx="456735" cy="208155"/>
+          </a:xfrm>
+          <a:prstGeom prst="line">
+            <a:avLst/>
+          </a:prstGeom>
+        </p:spPr>
+        <p:style>
+          <a:lnRef idx="1">
+            <a:schemeClr val="accent1"/>
+          </a:lnRef>
+          <a:fillRef idx="0">
+            <a:schemeClr val="accent1"/>
+          </a:fillRef>
+          <a:effectRef idx="0">
+            <a:schemeClr val="accent1"/>
+          </a:effectRef>
+          <a:fontRef idx="minor">
+            <a:schemeClr val="tx1"/>
+          </a:fontRef>
+        </p:style>
+      </p:cxnSp>
+      <p:cxnSp>
+        <p:nvCxnSpPr>
+          <p:cNvPr id="22" name="Gerader Verbinder 21">
+            <a:extLst>
+              <a:ext uri="{FF2B5EF4-FFF2-40B4-BE49-F238E27FC236}">
+                <a16:creationId xmlns:a16="http://schemas.microsoft.com/office/drawing/2014/main" id="{210296CD-9A08-40A0-9D02-41CE0BC4DC70}"/>
+              </a:ext>
+            </a:extLst>
+          </p:cNvPr>
+          <p:cNvCxnSpPr>
+            <a:cxnSpLocks/>
+          </p:cNvCxnSpPr>
+          <p:nvPr/>
+        </p:nvCxnSpPr>
+        <p:spPr>
+          <a:xfrm>
+            <a:off x="1687782" y="6885405"/>
+            <a:ext cx="456735" cy="0"/>
+          </a:xfrm>
+          <a:prstGeom prst="line">
+            <a:avLst/>
+          </a:prstGeom>
+        </p:spPr>
+        <p:style>
+          <a:lnRef idx="1">
+            <a:schemeClr val="accent1"/>
+          </a:lnRef>
+          <a:fillRef idx="0">
+            <a:schemeClr val="accent1"/>
+          </a:fillRef>
+          <a:effectRef idx="0">
+            <a:schemeClr val="accent1"/>
+          </a:effectRef>
+          <a:fontRef idx="minor">
+            <a:schemeClr val="tx1"/>
+          </a:fontRef>
+        </p:style>
+      </p:cxnSp>
+      <p:cxnSp>
+        <p:nvCxnSpPr>
+          <p:cNvPr id="23" name="Gerader Verbinder 22">
+            <a:extLst>
+              <a:ext uri="{FF2B5EF4-FFF2-40B4-BE49-F238E27FC236}">
+                <a16:creationId xmlns:a16="http://schemas.microsoft.com/office/drawing/2014/main" id="{A2DE7296-B037-4748-A6C1-3D040A1AE84C}"/>
+              </a:ext>
+            </a:extLst>
+          </p:cNvPr>
+          <p:cNvCxnSpPr>
+            <a:cxnSpLocks/>
+          </p:cNvCxnSpPr>
+          <p:nvPr/>
+        </p:nvCxnSpPr>
+        <p:spPr>
+          <a:xfrm flipV="1">
+            <a:off x="1687782" y="6888425"/>
+            <a:ext cx="456735" cy="199793"/>
+          </a:xfrm>
+          <a:prstGeom prst="line">
+            <a:avLst/>
+          </a:prstGeom>
+        </p:spPr>
+        <p:style>
+          <a:lnRef idx="1">
+            <a:schemeClr val="accent1"/>
+          </a:lnRef>
+          <a:fillRef idx="0">
+            <a:schemeClr val="accent1"/>
+          </a:fillRef>
+          <a:effectRef idx="0">
+            <a:schemeClr val="accent1"/>
+          </a:effectRef>
+          <a:fontRef idx="minor">
+            <a:schemeClr val="tx1"/>
+          </a:fontRef>
+        </p:style>
+      </p:cxnSp>
+      <p:sp>
+        <p:nvSpPr>
+          <p:cNvPr id="24" name="Textfeld 23">
+            <a:extLst>
+              <a:ext uri="{FF2B5EF4-FFF2-40B4-BE49-F238E27FC236}">
+                <a16:creationId xmlns:a16="http://schemas.microsoft.com/office/drawing/2014/main" id="{390747BE-5A81-4741-B457-350352A43D93}"/>
+              </a:ext>
+            </a:extLst>
+          </p:cNvPr>
+          <p:cNvSpPr txBox="1"/>
+          <p:nvPr/>
+        </p:nvSpPr>
+        <p:spPr>
+          <a:xfrm>
+            <a:off x="5331429" y="4933124"/>
+            <a:ext cx="1530355" cy="369332"/>
+          </a:xfrm>
+          <a:prstGeom prst="rect">
+            <a:avLst/>
+          </a:prstGeom>
+          <a:noFill/>
+        </p:spPr>
+        <p:txBody>
+          <a:bodyPr wrap="none" rtlCol="0">
+            <a:spAutoFit/>
+          </a:bodyPr>
+          <a:lstStyle/>
+          <a:p>
+            <a:r>
+              <a:rPr lang="de-DE" b="1" dirty="0">
+                <a:solidFill>
+                  <a:schemeClr val="accent6">
+                    <a:lumMod val="75000"/>
+                  </a:schemeClr>
+                </a:solidFill>
+              </a:rPr>
+              <a:t>2.) Peaks - </a:t>
+            </a:r>
+            <a:r>
+              <a:rPr lang="de-DE" b="1" dirty="0" err="1">
+                <a:solidFill>
+                  <a:schemeClr val="accent6">
+                    <a:lumMod val="75000"/>
+                  </a:schemeClr>
+                </a:solidFill>
+              </a:rPr>
+              <a:t>IgG</a:t>
+            </a:r>
+            <a:endParaRPr lang="de-DE" b="1" dirty="0">
+              <a:solidFill>
+                <a:schemeClr val="accent6">
+                  <a:lumMod val="75000"/>
+                </a:schemeClr>
+              </a:solidFill>
+            </a:endParaRPr>
+          </a:p>
+        </p:txBody>
+      </p:sp>
+      <p:pic>
+        <p:nvPicPr>
+          <p:cNvPr id="25" name="Grafik 24">
+            <a:extLst>
+              <a:ext uri="{FF2B5EF4-FFF2-40B4-BE49-F238E27FC236}">
+                <a16:creationId xmlns:a16="http://schemas.microsoft.com/office/drawing/2014/main" id="{3FCC2CD1-36B6-4806-ADDD-19CB1526D9E5}"/>
+              </a:ext>
+            </a:extLst>
+          </p:cNvPr>
+          <p:cNvPicPr>
+            <a:picLocks noChangeAspect="1"/>
+          </p:cNvPicPr>
+          <p:nvPr/>
+        </p:nvPicPr>
+        <p:blipFill rotWithShape="1">
+          <a:blip r:embed="rId2"/>
+          <a:srcRect l="38904" t="18024" r="43162" b="71343"/>
+          <a:stretch/>
+        </p:blipFill>
+        <p:spPr>
+          <a:xfrm>
+            <a:off x="3927556" y="5737744"/>
+            <a:ext cx="1643178" cy="362381"/>
+          </a:xfrm>
+          <a:prstGeom prst="rect">
+            <a:avLst/>
+          </a:prstGeom>
+        </p:spPr>
+      </p:pic>
+      <p:cxnSp>
+        <p:nvCxnSpPr>
+          <p:cNvPr id="27" name="Gerader Verbinder 26">
+            <a:extLst>
+              <a:ext uri="{FF2B5EF4-FFF2-40B4-BE49-F238E27FC236}">
+                <a16:creationId xmlns:a16="http://schemas.microsoft.com/office/drawing/2014/main" id="{3A3101DF-8607-4423-B827-902C58F0BD35}"/>
+              </a:ext>
+            </a:extLst>
+          </p:cNvPr>
+          <p:cNvCxnSpPr>
+            <a:cxnSpLocks/>
+          </p:cNvCxnSpPr>
+          <p:nvPr/>
+        </p:nvCxnSpPr>
+        <p:spPr>
+          <a:xfrm>
+            <a:off x="3857625" y="4946780"/>
+            <a:ext cx="0" cy="2431920"/>
+          </a:xfrm>
+          <a:prstGeom prst="line">
+            <a:avLst/>
+          </a:prstGeom>
+        </p:spPr>
+        <p:style>
+          <a:lnRef idx="1">
+            <a:schemeClr val="dk1"/>
+          </a:lnRef>
+          <a:fillRef idx="0">
+            <a:schemeClr val="dk1"/>
+          </a:fillRef>
+          <a:effectRef idx="0">
+            <a:schemeClr val="dk1"/>
+          </a:effectRef>
+          <a:fontRef idx="minor">
+            <a:schemeClr val="tx1"/>
+          </a:fontRef>
+        </p:style>
+      </p:cxnSp>
+      <p:pic>
+        <p:nvPicPr>
+          <p:cNvPr id="28" name="Grafik 27">
+            <a:extLst>
+              <a:ext uri="{FF2B5EF4-FFF2-40B4-BE49-F238E27FC236}">
+                <a16:creationId xmlns:a16="http://schemas.microsoft.com/office/drawing/2014/main" id="{B4F1FCFC-0FEF-46F5-890B-F87231385BC2}"/>
+              </a:ext>
+            </a:extLst>
+          </p:cNvPr>
+          <p:cNvPicPr>
+            <a:picLocks noChangeAspect="1"/>
+          </p:cNvPicPr>
+          <p:nvPr/>
+        </p:nvPicPr>
+        <p:blipFill rotWithShape="1">
+          <a:blip r:embed="rId2"/>
+          <a:srcRect l="38993" t="12807" r="43073" b="81174"/>
+          <a:stretch/>
+        </p:blipFill>
+        <p:spPr>
+          <a:xfrm>
+            <a:off x="6096000" y="5751342"/>
+            <a:ext cx="1643178" cy="205131"/>
+          </a:xfrm>
+          <a:prstGeom prst="rect">
+            <a:avLst/>
+          </a:prstGeom>
+        </p:spPr>
+      </p:pic>
+      <p:cxnSp>
+        <p:nvCxnSpPr>
+          <p:cNvPr id="29" name="Gerader Verbinder 28">
+            <a:extLst>
+              <a:ext uri="{FF2B5EF4-FFF2-40B4-BE49-F238E27FC236}">
+                <a16:creationId xmlns:a16="http://schemas.microsoft.com/office/drawing/2014/main" id="{D2E48223-AB98-4C29-8927-4DE7E6E9B787}"/>
+              </a:ext>
+            </a:extLst>
+          </p:cNvPr>
+          <p:cNvCxnSpPr>
+            <a:cxnSpLocks/>
+          </p:cNvCxnSpPr>
+          <p:nvPr/>
+        </p:nvCxnSpPr>
+        <p:spPr>
+          <a:xfrm>
+            <a:off x="5570734" y="5842898"/>
+            <a:ext cx="456735" cy="7068"/>
+          </a:xfrm>
+          <a:prstGeom prst="line">
+            <a:avLst/>
+          </a:prstGeom>
+        </p:spPr>
+        <p:style>
+          <a:lnRef idx="1">
+            <a:schemeClr val="accent1"/>
+          </a:lnRef>
+          <a:fillRef idx="0">
+            <a:schemeClr val="accent1"/>
+          </a:fillRef>
+          <a:effectRef idx="0">
+            <a:schemeClr val="accent1"/>
+          </a:effectRef>
+          <a:fontRef idx="minor">
+            <a:schemeClr val="tx1"/>
+          </a:fontRef>
+        </p:style>
+      </p:cxnSp>
+      <p:cxnSp>
+        <p:nvCxnSpPr>
+          <p:cNvPr id="30" name="Gerader Verbinder 29">
+            <a:extLst>
+              <a:ext uri="{FF2B5EF4-FFF2-40B4-BE49-F238E27FC236}">
+                <a16:creationId xmlns:a16="http://schemas.microsoft.com/office/drawing/2014/main" id="{017C71B4-141E-42B0-AB11-74B31A0917A4}"/>
+              </a:ext>
+            </a:extLst>
+          </p:cNvPr>
+          <p:cNvCxnSpPr>
+            <a:cxnSpLocks/>
+          </p:cNvCxnSpPr>
+          <p:nvPr/>
+        </p:nvCxnSpPr>
+        <p:spPr>
+          <a:xfrm flipV="1">
+            <a:off x="5570734" y="5854049"/>
+            <a:ext cx="456735" cy="199793"/>
+          </a:xfrm>
+          <a:prstGeom prst="line">
+            <a:avLst/>
+          </a:prstGeom>
+        </p:spPr>
+        <p:style>
+          <a:lnRef idx="1">
+            <a:schemeClr val="accent1"/>
+          </a:lnRef>
+          <a:fillRef idx="0">
+            <a:schemeClr val="accent1"/>
+          </a:fillRef>
+          <a:effectRef idx="0">
+            <a:schemeClr val="accent1"/>
+          </a:effectRef>
+          <a:fontRef idx="minor">
+            <a:schemeClr val="tx1"/>
+          </a:fontRef>
+        </p:style>
+      </p:cxnSp>
+      <p:pic>
+        <p:nvPicPr>
+          <p:cNvPr id="31" name="Grafik 30">
+            <a:extLst>
+              <a:ext uri="{FF2B5EF4-FFF2-40B4-BE49-F238E27FC236}">
+                <a16:creationId xmlns:a16="http://schemas.microsoft.com/office/drawing/2014/main" id="{584E589A-201F-4E21-8D10-9F35FB791FF0}"/>
+              </a:ext>
+            </a:extLst>
+          </p:cNvPr>
+          <p:cNvPicPr>
+            <a:picLocks noChangeAspect="1"/>
+          </p:cNvPicPr>
+          <p:nvPr/>
+        </p:nvPicPr>
+        <p:blipFill rotWithShape="1">
+          <a:blip r:embed="rId2"/>
+          <a:srcRect l="39081" t="39721" r="42985" b="49646"/>
+          <a:stretch/>
+        </p:blipFill>
+        <p:spPr>
+          <a:xfrm>
+            <a:off x="3927556" y="6700231"/>
+            <a:ext cx="1643178" cy="362381"/>
+          </a:xfrm>
+          <a:prstGeom prst="rect">
+            <a:avLst/>
+          </a:prstGeom>
+        </p:spPr>
+      </p:pic>
+      <p:pic>
+        <p:nvPicPr>
+          <p:cNvPr id="32" name="Grafik 31">
+            <a:extLst>
+              <a:ext uri="{FF2B5EF4-FFF2-40B4-BE49-F238E27FC236}">
+                <a16:creationId xmlns:a16="http://schemas.microsoft.com/office/drawing/2014/main" id="{44AD403F-86E0-4513-AB3A-FE681EF8288C}"/>
+              </a:ext>
+            </a:extLst>
+          </p:cNvPr>
+          <p:cNvPicPr>
+            <a:picLocks noChangeAspect="1"/>
+          </p:cNvPicPr>
+          <p:nvPr/>
+        </p:nvPicPr>
+        <p:blipFill rotWithShape="1">
+          <a:blip r:embed="rId2"/>
+          <a:srcRect l="38993" t="34023" r="43073" b="59958"/>
+          <a:stretch/>
+        </p:blipFill>
+        <p:spPr>
+          <a:xfrm>
+            <a:off x="6062550" y="6681217"/>
+            <a:ext cx="1643178" cy="205131"/>
+          </a:xfrm>
+          <a:prstGeom prst="rect">
+            <a:avLst/>
+          </a:prstGeom>
+        </p:spPr>
+      </p:pic>
+      <p:cxnSp>
+        <p:nvCxnSpPr>
+          <p:cNvPr id="33" name="Gerader Verbinder 32">
+            <a:extLst>
+              <a:ext uri="{FF2B5EF4-FFF2-40B4-BE49-F238E27FC236}">
+                <a16:creationId xmlns:a16="http://schemas.microsoft.com/office/drawing/2014/main" id="{DA9B3102-D07B-4209-91C3-3A765FE883B0}"/>
+              </a:ext>
+            </a:extLst>
+          </p:cNvPr>
+          <p:cNvCxnSpPr>
+            <a:cxnSpLocks/>
+          </p:cNvCxnSpPr>
+          <p:nvPr/>
+        </p:nvCxnSpPr>
+        <p:spPr>
+          <a:xfrm>
+            <a:off x="5581847" y="6783783"/>
+            <a:ext cx="456735" cy="11151"/>
+          </a:xfrm>
+          <a:prstGeom prst="line">
+            <a:avLst/>
+          </a:prstGeom>
+        </p:spPr>
+        <p:style>
+          <a:lnRef idx="1">
+            <a:schemeClr val="accent1"/>
+          </a:lnRef>
+          <a:fillRef idx="0">
+            <a:schemeClr val="accent1"/>
+          </a:fillRef>
+          <a:effectRef idx="0">
+            <a:schemeClr val="accent1"/>
+          </a:effectRef>
+          <a:fontRef idx="minor">
+            <a:schemeClr val="tx1"/>
+          </a:fontRef>
+        </p:style>
+      </p:cxnSp>
+      <p:cxnSp>
+        <p:nvCxnSpPr>
+          <p:cNvPr id="34" name="Gerader Verbinder 33">
+            <a:extLst>
+              <a:ext uri="{FF2B5EF4-FFF2-40B4-BE49-F238E27FC236}">
+                <a16:creationId xmlns:a16="http://schemas.microsoft.com/office/drawing/2014/main" id="{EAFEEE6A-B134-4446-8B6D-A90A189F6443}"/>
+              </a:ext>
+            </a:extLst>
+          </p:cNvPr>
+          <p:cNvCxnSpPr>
+            <a:cxnSpLocks/>
+          </p:cNvCxnSpPr>
+          <p:nvPr/>
+        </p:nvCxnSpPr>
+        <p:spPr>
+          <a:xfrm flipV="1">
+            <a:off x="5581847" y="6794934"/>
+            <a:ext cx="456735" cy="199793"/>
+          </a:xfrm>
+          <a:prstGeom prst="line">
+            <a:avLst/>
+          </a:prstGeom>
+        </p:spPr>
+        <p:style>
+          <a:lnRef idx="1">
+            <a:schemeClr val="accent1"/>
+          </a:lnRef>
+          <a:fillRef idx="0">
+            <a:schemeClr val="accent1"/>
+          </a:fillRef>
+          <a:effectRef idx="0">
+            <a:schemeClr val="accent1"/>
+          </a:effectRef>
+          <a:fontRef idx="minor">
+            <a:schemeClr val="tx1"/>
+          </a:fontRef>
+        </p:style>
+      </p:cxnSp>
+      <p:sp>
+        <p:nvSpPr>
+          <p:cNvPr id="35" name="Textfeld 34">
+            <a:extLst>
+              <a:ext uri="{FF2B5EF4-FFF2-40B4-BE49-F238E27FC236}">
+                <a16:creationId xmlns:a16="http://schemas.microsoft.com/office/drawing/2014/main" id="{D4741B4A-8CB0-4FAD-963F-1EF40BE5B581}"/>
+              </a:ext>
+            </a:extLst>
+          </p:cNvPr>
+          <p:cNvSpPr txBox="1"/>
+          <p:nvPr/>
+        </p:nvSpPr>
+        <p:spPr>
+          <a:xfrm>
+            <a:off x="7862832" y="4921108"/>
+            <a:ext cx="1418145" cy="369332"/>
+          </a:xfrm>
+          <a:prstGeom prst="rect">
+            <a:avLst/>
+          </a:prstGeom>
+          <a:noFill/>
+        </p:spPr>
+        <p:txBody>
+          <a:bodyPr wrap="none" rtlCol="0">
+            <a:spAutoFit/>
+          </a:bodyPr>
+          <a:lstStyle/>
+          <a:p>
+            <a:r>
+              <a:rPr lang="de-DE" b="1" dirty="0">
+                <a:solidFill>
+                  <a:schemeClr val="accent6">
+                    <a:lumMod val="50000"/>
+                  </a:schemeClr>
+                </a:solidFill>
+              </a:rPr>
+              <a:t>3.) Peaks -</a:t>
+            </a:r>
+            <a:r>
+              <a:rPr lang="de-DE" b="1" dirty="0" err="1">
+                <a:solidFill>
+                  <a:schemeClr val="accent6">
+                    <a:lumMod val="50000"/>
+                  </a:schemeClr>
+                </a:solidFill>
+              </a:rPr>
+              <a:t>Nx</a:t>
+            </a:r>
+            <a:endParaRPr lang="de-DE" b="1" dirty="0">
+              <a:solidFill>
+                <a:schemeClr val="accent6">
+                  <a:lumMod val="50000"/>
+                </a:schemeClr>
+              </a:solidFill>
+            </a:endParaRPr>
+          </a:p>
+        </p:txBody>
+      </p:sp>
+      <p:cxnSp>
+        <p:nvCxnSpPr>
+          <p:cNvPr id="51" name="Gerader Verbinder 50">
+            <a:extLst>
+              <a:ext uri="{FF2B5EF4-FFF2-40B4-BE49-F238E27FC236}">
+                <a16:creationId xmlns:a16="http://schemas.microsoft.com/office/drawing/2014/main" id="{202BC16E-C046-4807-9B02-135D4D91BF01}"/>
+              </a:ext>
+            </a:extLst>
+          </p:cNvPr>
+          <p:cNvCxnSpPr>
+            <a:cxnSpLocks/>
+          </p:cNvCxnSpPr>
+          <p:nvPr/>
+        </p:nvCxnSpPr>
+        <p:spPr>
+          <a:xfrm>
+            <a:off x="7748703" y="4907027"/>
+            <a:ext cx="0" cy="2370073"/>
+          </a:xfrm>
+          <a:prstGeom prst="line">
+            <a:avLst/>
+          </a:prstGeom>
+        </p:spPr>
+        <p:style>
+          <a:lnRef idx="1">
+            <a:schemeClr val="dk1"/>
+          </a:lnRef>
+          <a:fillRef idx="0">
+            <a:schemeClr val="dk1"/>
+          </a:fillRef>
+          <a:effectRef idx="0">
+            <a:schemeClr val="dk1"/>
+          </a:effectRef>
+          <a:fontRef idx="minor">
+            <a:schemeClr val="tx1"/>
+          </a:fontRef>
+        </p:style>
+      </p:cxnSp>
+      <p:pic>
+        <p:nvPicPr>
+          <p:cNvPr id="52" name="Grafik 51">
+            <a:extLst>
+              <a:ext uri="{FF2B5EF4-FFF2-40B4-BE49-F238E27FC236}">
+                <a16:creationId xmlns:a16="http://schemas.microsoft.com/office/drawing/2014/main" id="{D4848BCC-937A-4E2C-A1F7-ED52476E636F}"/>
+              </a:ext>
+            </a:extLst>
+          </p:cNvPr>
+          <p:cNvPicPr>
+            <a:picLocks noChangeAspect="1"/>
+          </p:cNvPicPr>
+          <p:nvPr/>
+        </p:nvPicPr>
+        <p:blipFill rotWithShape="1">
+          <a:blip r:embed="rId2"/>
+          <a:srcRect l="39081" t="39721" r="42985" b="49646"/>
+          <a:stretch/>
+        </p:blipFill>
+        <p:spPr>
+          <a:xfrm>
+            <a:off x="7862832" y="6099716"/>
+            <a:ext cx="1643178" cy="362381"/>
+          </a:xfrm>
+          <a:prstGeom prst="rect">
+            <a:avLst/>
+          </a:prstGeom>
+        </p:spPr>
+      </p:pic>
+      <p:cxnSp>
+        <p:nvCxnSpPr>
+          <p:cNvPr id="53" name="Gerader Verbinder 52">
+            <a:extLst>
+              <a:ext uri="{FF2B5EF4-FFF2-40B4-BE49-F238E27FC236}">
+                <a16:creationId xmlns:a16="http://schemas.microsoft.com/office/drawing/2014/main" id="{BC16D2F8-7359-4AC8-9C96-40298A4AD9FF}"/>
+              </a:ext>
+            </a:extLst>
+          </p:cNvPr>
+          <p:cNvCxnSpPr>
+            <a:cxnSpLocks/>
+          </p:cNvCxnSpPr>
+          <p:nvPr/>
+        </p:nvCxnSpPr>
+        <p:spPr>
+          <a:xfrm>
+            <a:off x="9538961" y="6178588"/>
+            <a:ext cx="456735" cy="7068"/>
+          </a:xfrm>
+          <a:prstGeom prst="line">
+            <a:avLst/>
+          </a:prstGeom>
+        </p:spPr>
+        <p:style>
+          <a:lnRef idx="1">
+            <a:schemeClr val="accent1"/>
+          </a:lnRef>
+          <a:fillRef idx="0">
+            <a:schemeClr val="accent1"/>
+          </a:fillRef>
+          <a:effectRef idx="0">
+            <a:schemeClr val="accent1"/>
+          </a:effectRef>
+          <a:fontRef idx="minor">
+            <a:schemeClr val="tx1"/>
+          </a:fontRef>
+        </p:style>
+      </p:cxnSp>
+      <p:pic>
+        <p:nvPicPr>
+          <p:cNvPr id="54" name="Grafik 53">
+            <a:extLst>
+              <a:ext uri="{FF2B5EF4-FFF2-40B4-BE49-F238E27FC236}">
+                <a16:creationId xmlns:a16="http://schemas.microsoft.com/office/drawing/2014/main" id="{C801688C-0F96-49BA-AE26-2CCC2C84FA11}"/>
+              </a:ext>
+            </a:extLst>
+          </p:cNvPr>
+          <p:cNvPicPr>
+            <a:picLocks noChangeAspect="1"/>
+          </p:cNvPicPr>
+          <p:nvPr/>
+        </p:nvPicPr>
+        <p:blipFill rotWithShape="1">
+          <a:blip r:embed="rId2"/>
+          <a:srcRect l="38904" t="18024" r="43162" b="71343"/>
+          <a:stretch/>
+        </p:blipFill>
+        <p:spPr>
+          <a:xfrm>
+            <a:off x="10028647" y="6134894"/>
+            <a:ext cx="1643178" cy="362381"/>
+          </a:xfrm>
+          <a:prstGeom prst="rect">
+            <a:avLst/>
+          </a:prstGeom>
+        </p:spPr>
+      </p:pic>
+      <p:cxnSp>
+        <p:nvCxnSpPr>
+          <p:cNvPr id="55" name="Gerader Verbinder 54">
+            <a:extLst>
+              <a:ext uri="{FF2B5EF4-FFF2-40B4-BE49-F238E27FC236}">
+                <a16:creationId xmlns:a16="http://schemas.microsoft.com/office/drawing/2014/main" id="{3D8347E9-1013-4820-BCB0-EBB204EE4809}"/>
+              </a:ext>
+            </a:extLst>
+          </p:cNvPr>
+          <p:cNvCxnSpPr>
+            <a:cxnSpLocks/>
+          </p:cNvCxnSpPr>
+          <p:nvPr/>
+        </p:nvCxnSpPr>
+        <p:spPr>
+          <a:xfrm>
+            <a:off x="9506010" y="6420860"/>
+            <a:ext cx="456735" cy="7068"/>
+          </a:xfrm>
+          <a:prstGeom prst="line">
+            <a:avLst/>
+          </a:prstGeom>
+        </p:spPr>
+        <p:style>
+          <a:lnRef idx="1">
+            <a:schemeClr val="accent1"/>
+          </a:lnRef>
+          <a:fillRef idx="0">
+            <a:schemeClr val="accent1"/>
+          </a:fillRef>
+          <a:effectRef idx="0">
+            <a:schemeClr val="accent1"/>
+          </a:effectRef>
+          <a:fontRef idx="minor">
+            <a:schemeClr val="tx1"/>
+          </a:fontRef>
+        </p:style>
+      </p:cxnSp>
+      <p:sp>
+        <p:nvSpPr>
+          <p:cNvPr id="58" name="Rechteck 57">
+            <a:extLst>
+              <a:ext uri="{FF2B5EF4-FFF2-40B4-BE49-F238E27FC236}">
+                <a16:creationId xmlns:a16="http://schemas.microsoft.com/office/drawing/2014/main" id="{D237FD80-D1BD-4780-B4D3-190227ED333B}"/>
+              </a:ext>
+            </a:extLst>
+          </p:cNvPr>
+          <p:cNvSpPr/>
+          <p:nvPr/>
+        </p:nvSpPr>
+        <p:spPr>
+          <a:xfrm>
+            <a:off x="8184995" y="4329478"/>
+            <a:ext cx="289932" cy="368605"/>
+          </a:xfrm>
+          <a:prstGeom prst="rect">
+            <a:avLst/>
+          </a:prstGeom>
+          <a:solidFill>
+            <a:schemeClr val="accent4">
+              <a:alpha val="50196"/>
+            </a:schemeClr>
+          </a:solidFill>
+          <a:ln>
+            <a:noFill/>
+          </a:ln>
+        </p:spPr>
+        <p:style>
+          <a:lnRef idx="2">
+            <a:schemeClr val="accent1">
+              <a:shade val="50000"/>
+            </a:schemeClr>
+          </a:lnRef>
+          <a:fillRef idx="1">
+            <a:schemeClr val="accent1"/>
+          </a:fillRef>
+          <a:effectRef idx="0">
+            <a:schemeClr val="accent1"/>
+          </a:effectRef>
+          <a:fontRef idx="minor">
+            <a:schemeClr val="lt1"/>
+          </a:fontRef>
+        </p:style>
+        <p:txBody>
+          <a:bodyPr rtlCol="0" anchor="ctr"/>
+          <a:lstStyle/>
+          <a:p>
+            <a:pPr algn="ctr"/>
+            <a:endParaRPr lang="de-DE"/>
+          </a:p>
+        </p:txBody>
+      </p:sp>
+    </p:spTree>
+    <p:extLst>
+      <p:ext uri="{BB962C8B-B14F-4D97-AF65-F5344CB8AC3E}">
+        <p14:creationId xmlns:p14="http://schemas.microsoft.com/office/powerpoint/2010/main" val="3831850571"/>
+      </p:ext>
+    </p:extLst>
+  </p:cSld>
+  <p:clrMapOvr>
+    <a:masterClrMapping/>
+  </p:clrMapOvr>
+</p:sld>
+</file>
+
+<file path=ppt/slides/slide8.xml><?xml version="1.0" encoding="utf-8"?>
+<p:sld xmlns:a="http://schemas.openxmlformats.org/drawingml/2006/main" xmlns:r="http://schemas.openxmlformats.org/officeDocument/2006/relationships" xmlns:p="http://schemas.openxmlformats.org/presentationml/2006/main">
+  <p:cSld>
+    <p:spTree>
+      <p:nvGrpSpPr>
+        <p:cNvPr id="1" name=""/>
+        <p:cNvGrpSpPr/>
+        <p:nvPr/>
+      </p:nvGrpSpPr>
+      <p:grpSpPr>
+        <a:xfrm>
+          <a:off x="0" y="0"/>
+          <a:ext cx="0" cy="0"/>
+          <a:chOff x="0" y="0"/>
+          <a:chExt cx="0" cy="0"/>
+        </a:xfrm>
+      </p:grpSpPr>
+      <p:sp>
+        <p:nvSpPr>
+          <p:cNvPr id="2" name="Titel 1">
+            <a:extLst>
+              <a:ext uri="{FF2B5EF4-FFF2-40B4-BE49-F238E27FC236}">
+                <a16:creationId xmlns:a16="http://schemas.microsoft.com/office/drawing/2014/main" id="{AE25AE8C-1DA0-472A-A703-6DCBD902017D}"/>
+              </a:ext>
+            </a:extLst>
+          </p:cNvPr>
+          <p:cNvSpPr>
+            <a:spLocks noGrp="1"/>
+          </p:cNvSpPr>
+          <p:nvPr>
+            <p:ph type="title"/>
+          </p:nvPr>
+        </p:nvSpPr>
+        <p:spPr/>
+        <p:txBody>
+          <a:bodyPr/>
+          <a:lstStyle/>
+          <a:p>
+            <a:endParaRPr lang="de-DE"/>
+          </a:p>
+        </p:txBody>
+      </p:sp>
+      <p:sp>
+        <p:nvSpPr>
+          <p:cNvPr id="3" name="Inhaltsplatzhalter 2">
+            <a:extLst>
+              <a:ext uri="{FF2B5EF4-FFF2-40B4-BE49-F238E27FC236}">
+                <a16:creationId xmlns:a16="http://schemas.microsoft.com/office/drawing/2014/main" id="{1C74B67E-9357-4A27-88E9-BAE60DA70177}"/>
+              </a:ext>
+            </a:extLst>
+          </p:cNvPr>
+          <p:cNvSpPr>
+            <a:spLocks noGrp="1"/>
+          </p:cNvSpPr>
+          <p:nvPr>
+            <p:ph idx="1"/>
+          </p:nvPr>
+        </p:nvSpPr>
+        <p:spPr/>
+        <p:txBody>
+          <a:bodyPr/>
+          <a:lstStyle/>
+          <a:p>
+            <a:endParaRPr lang="de-DE"/>
+          </a:p>
+        </p:txBody>
+      </p:sp>
+    </p:spTree>
+    <p:extLst>
+      <p:ext uri="{BB962C8B-B14F-4D97-AF65-F5344CB8AC3E}">
+        <p14:creationId xmlns:p14="http://schemas.microsoft.com/office/powerpoint/2010/main" val="1002979496"/>
       </p:ext>
     </p:extLst>
   </p:cSld>
